--- a/icon.pptx
+++ b/icon.pptx
@@ -260,7 +260,7 @@
           <a:p>
             <a:fld id="{09A8E1A7-2917-4CBA-A621-D94BAEB9FDFE}" type="datetimeFigureOut">
               <a:rPr kumimoji="1" lang="ja-JP" altLang="en-US" smtClean="0"/>
-              <a:t>2023/5/25</a:t>
+              <a:t>2023/6/3</a:t>
             </a:fld>
             <a:endParaRPr kumimoji="1" lang="ja-JP" altLang="en-US"/>
           </a:p>
@@ -490,7 +490,7 @@
           <a:p>
             <a:fld id="{09A8E1A7-2917-4CBA-A621-D94BAEB9FDFE}" type="datetimeFigureOut">
               <a:rPr kumimoji="1" lang="ja-JP" altLang="en-US" smtClean="0"/>
-              <a:t>2023/5/25</a:t>
+              <a:t>2023/6/3</a:t>
             </a:fld>
             <a:endParaRPr kumimoji="1" lang="ja-JP" altLang="en-US"/>
           </a:p>
@@ -730,7 +730,7 @@
           <a:p>
             <a:fld id="{09A8E1A7-2917-4CBA-A621-D94BAEB9FDFE}" type="datetimeFigureOut">
               <a:rPr kumimoji="1" lang="ja-JP" altLang="en-US" smtClean="0"/>
-              <a:t>2023/5/25</a:t>
+              <a:t>2023/6/3</a:t>
             </a:fld>
             <a:endParaRPr kumimoji="1" lang="ja-JP" altLang="en-US"/>
           </a:p>
@@ -960,7 +960,7 @@
           <a:p>
             <a:fld id="{09A8E1A7-2917-4CBA-A621-D94BAEB9FDFE}" type="datetimeFigureOut">
               <a:rPr kumimoji="1" lang="ja-JP" altLang="en-US" smtClean="0"/>
-              <a:t>2023/5/25</a:t>
+              <a:t>2023/6/3</a:t>
             </a:fld>
             <a:endParaRPr kumimoji="1" lang="ja-JP" altLang="en-US"/>
           </a:p>
@@ -1235,7 +1235,7 @@
           <a:p>
             <a:fld id="{09A8E1A7-2917-4CBA-A621-D94BAEB9FDFE}" type="datetimeFigureOut">
               <a:rPr kumimoji="1" lang="ja-JP" altLang="en-US" smtClean="0"/>
-              <a:t>2023/5/25</a:t>
+              <a:t>2023/6/3</a:t>
             </a:fld>
             <a:endParaRPr kumimoji="1" lang="ja-JP" altLang="en-US"/>
           </a:p>
@@ -1564,7 +1564,7 @@
           <a:p>
             <a:fld id="{09A8E1A7-2917-4CBA-A621-D94BAEB9FDFE}" type="datetimeFigureOut">
               <a:rPr kumimoji="1" lang="ja-JP" altLang="en-US" smtClean="0"/>
-              <a:t>2023/5/25</a:t>
+              <a:t>2023/6/3</a:t>
             </a:fld>
             <a:endParaRPr kumimoji="1" lang="ja-JP" altLang="en-US"/>
           </a:p>
@@ -2040,7 +2040,7 @@
           <a:p>
             <a:fld id="{09A8E1A7-2917-4CBA-A621-D94BAEB9FDFE}" type="datetimeFigureOut">
               <a:rPr kumimoji="1" lang="ja-JP" altLang="en-US" smtClean="0"/>
-              <a:t>2023/5/25</a:t>
+              <a:t>2023/6/3</a:t>
             </a:fld>
             <a:endParaRPr kumimoji="1" lang="ja-JP" altLang="en-US"/>
           </a:p>
@@ -2181,7 +2181,7 @@
           <a:p>
             <a:fld id="{09A8E1A7-2917-4CBA-A621-D94BAEB9FDFE}" type="datetimeFigureOut">
               <a:rPr kumimoji="1" lang="ja-JP" altLang="en-US" smtClean="0"/>
-              <a:t>2023/5/25</a:t>
+              <a:t>2023/6/3</a:t>
             </a:fld>
             <a:endParaRPr kumimoji="1" lang="ja-JP" altLang="en-US"/>
           </a:p>
@@ -2294,7 +2294,7 @@
           <a:p>
             <a:fld id="{09A8E1A7-2917-4CBA-A621-D94BAEB9FDFE}" type="datetimeFigureOut">
               <a:rPr kumimoji="1" lang="ja-JP" altLang="en-US" smtClean="0"/>
-              <a:t>2023/5/25</a:t>
+              <a:t>2023/6/3</a:t>
             </a:fld>
             <a:endParaRPr kumimoji="1" lang="ja-JP" altLang="en-US"/>
           </a:p>
@@ -2637,7 +2637,7 @@
           <a:p>
             <a:fld id="{09A8E1A7-2917-4CBA-A621-D94BAEB9FDFE}" type="datetimeFigureOut">
               <a:rPr kumimoji="1" lang="ja-JP" altLang="en-US" smtClean="0"/>
-              <a:t>2023/5/25</a:t>
+              <a:t>2023/6/3</a:t>
             </a:fld>
             <a:endParaRPr kumimoji="1" lang="ja-JP" altLang="en-US"/>
           </a:p>
@@ -2925,7 +2925,7 @@
           <a:p>
             <a:fld id="{09A8E1A7-2917-4CBA-A621-D94BAEB9FDFE}" type="datetimeFigureOut">
               <a:rPr kumimoji="1" lang="ja-JP" altLang="en-US" smtClean="0"/>
-              <a:t>2023/5/25</a:t>
+              <a:t>2023/6/3</a:t>
             </a:fld>
             <a:endParaRPr kumimoji="1" lang="ja-JP" altLang="en-US"/>
           </a:p>
@@ -3198,7 +3198,7 @@
           <a:p>
             <a:fld id="{09A8E1A7-2917-4CBA-A621-D94BAEB9FDFE}" type="datetimeFigureOut">
               <a:rPr kumimoji="1" lang="ja-JP" altLang="en-US" smtClean="0"/>
-              <a:t>2023/5/25</a:t>
+              <a:t>2023/6/3</a:t>
             </a:fld>
             <a:endParaRPr kumimoji="1" lang="ja-JP" altLang="en-US"/>
           </a:p>
@@ -3617,10 +3617,10 @@
       </p:grpSpPr>
       <p:sp>
         <p:nvSpPr>
-          <p:cNvPr id="15" name="フリーフォーム: 図形 14">
-            <a:extLst>
-              <a:ext uri="{FF2B5EF4-FFF2-40B4-BE49-F238E27FC236}">
-                <a16:creationId xmlns:a16="http://schemas.microsoft.com/office/drawing/2014/main" id="{ACC28253-D6B0-A90F-875A-C1355F37F11B}"/>
+          <p:cNvPr id="2" name="正方形/長方形 1">
+            <a:extLst>
+              <a:ext uri="{FF2B5EF4-FFF2-40B4-BE49-F238E27FC236}">
+                <a16:creationId xmlns:a16="http://schemas.microsoft.com/office/drawing/2014/main" id="{D914A9CE-7DAC-1966-7301-2872A4E97E9F}"/>
               </a:ext>
             </a:extLst>
           </p:cNvPr>
@@ -3629,84 +3629,83 @@
         </p:nvSpPr>
         <p:spPr>
           <a:xfrm>
-            <a:off x="711723" y="687906"/>
-            <a:ext cx="493094" cy="500830"/>
+            <a:off x="2604411" y="1571963"/>
+            <a:ext cx="3600000" cy="3600000"/>
+          </a:xfrm>
+          <a:prstGeom prst="rect">
+            <a:avLst/>
+          </a:prstGeom>
+          <a:solidFill>
+            <a:srgbClr val="0D6EFD"/>
+          </a:solidFill>
+          <a:ln>
+            <a:noFill/>
+          </a:ln>
+        </p:spPr>
+        <p:style>
+          <a:lnRef idx="2">
+            <a:schemeClr val="accent2">
+              <a:shade val="50000"/>
+            </a:schemeClr>
+          </a:lnRef>
+          <a:fillRef idx="1">
+            <a:schemeClr val="accent2"/>
+          </a:fillRef>
+          <a:effectRef idx="0">
+            <a:schemeClr val="accent2"/>
+          </a:effectRef>
+          <a:fontRef idx="minor">
+            <a:schemeClr val="lt1"/>
+          </a:fontRef>
+        </p:style>
+        <p:txBody>
+          <a:bodyPr rtlCol="0" anchor="ctr"/>
+          <a:lstStyle/>
+          <a:p>
+            <a:pPr algn="ctr"/>
+            <a:endParaRPr kumimoji="1" lang="ja-JP" altLang="en-US" sz="13800" dirty="0">
+              <a:latin typeface="Jumble" panose="02000503000000020004" pitchFamily="2" charset="0"/>
+              <a:cs typeface="Vrinda" panose="020B0502040204020203" pitchFamily="34" charset="0"/>
+            </a:endParaRPr>
+          </a:p>
+        </p:txBody>
+      </p:sp>
+      <p:sp>
+        <p:nvSpPr>
+          <p:cNvPr id="5" name="グラフィックス 3">
+            <a:extLst>
+              <a:ext uri="{FF2B5EF4-FFF2-40B4-BE49-F238E27FC236}">
+                <a16:creationId xmlns:a16="http://schemas.microsoft.com/office/drawing/2014/main" id="{FA0AE4CE-02DD-0F19-9D29-DE9D4034CFA0}"/>
+              </a:ext>
+            </a:extLst>
+          </p:cNvPr>
+          <p:cNvSpPr/>
+          <p:nvPr/>
+        </p:nvSpPr>
+        <p:spPr>
+          <a:xfrm>
+            <a:off x="2694990" y="1678272"/>
+            <a:ext cx="3401009" cy="3401009"/>
           </a:xfrm>
           <a:custGeom>
             <a:avLst/>
             <a:gdLst>
-              <a:gd name="connsiteX0" fmla="*/ 341675 w 689185"/>
-              <a:gd name="connsiteY0" fmla="*/ 100685 h 699998"/>
-              <a:gd name="connsiteX1" fmla="*/ 255733 w 689185"/>
-              <a:gd name="connsiteY1" fmla="*/ 118581 h 699998"/>
-              <a:gd name="connsiteX2" fmla="*/ 183381 w 689185"/>
-              <a:gd name="connsiteY2" fmla="*/ 167486 h 699998"/>
-              <a:gd name="connsiteX3" fmla="*/ 116484 w 689185"/>
-              <a:gd name="connsiteY3" fmla="*/ 332766 h 699998"/>
-              <a:gd name="connsiteX4" fmla="*/ 183381 w 689185"/>
-              <a:gd name="connsiteY4" fmla="*/ 497663 h 699998"/>
-              <a:gd name="connsiteX5" fmla="*/ 255637 w 689185"/>
-              <a:gd name="connsiteY5" fmla="*/ 546664 h 699998"/>
-              <a:gd name="connsiteX6" fmla="*/ 344642 w 689185"/>
-              <a:gd name="connsiteY6" fmla="*/ 564464 h 699998"/>
-              <a:gd name="connsiteX7" fmla="*/ 506189 w 689185"/>
-              <a:gd name="connsiteY7" fmla="*/ 497663 h 699998"/>
-              <a:gd name="connsiteX8" fmla="*/ 554615 w 689185"/>
-              <a:gd name="connsiteY8" fmla="*/ 424259 h 699998"/>
-              <a:gd name="connsiteX9" fmla="*/ 572416 w 689185"/>
-              <a:gd name="connsiteY9" fmla="*/ 332670 h 699998"/>
-              <a:gd name="connsiteX10" fmla="*/ 554615 w 689185"/>
-              <a:gd name="connsiteY10" fmla="*/ 241082 h 699998"/>
-              <a:gd name="connsiteX11" fmla="*/ 433646 w 689185"/>
-              <a:gd name="connsiteY11" fmla="*/ 118581 h 699998"/>
-              <a:gd name="connsiteX12" fmla="*/ 344642 w 689185"/>
-              <a:gd name="connsiteY12" fmla="*/ 100685 h 699998"/>
-              <a:gd name="connsiteX13" fmla="*/ 341770 w 689185"/>
-              <a:gd name="connsiteY13" fmla="*/ 100685 h 699998"/>
-              <a:gd name="connsiteX14" fmla="*/ 341770 w 689185"/>
-              <a:gd name="connsiteY14" fmla="*/ 5 h 699998"/>
-              <a:gd name="connsiteX15" fmla="*/ 344737 w 689185"/>
-              <a:gd name="connsiteY15" fmla="*/ 5 h 699998"/>
-              <a:gd name="connsiteX16" fmla="*/ 478531 w 689185"/>
-              <a:gd name="connsiteY16" fmla="*/ 25845 h 699998"/>
-              <a:gd name="connsiteX17" fmla="*/ 588016 w 689185"/>
-              <a:gd name="connsiteY17" fmla="*/ 96378 h 699998"/>
-              <a:gd name="connsiteX18" fmla="*/ 662186 w 689185"/>
-              <a:gd name="connsiteY18" fmla="*/ 201843 h 699998"/>
-              <a:gd name="connsiteX19" fmla="*/ 689174 w 689185"/>
-              <a:gd name="connsiteY19" fmla="*/ 332192 h 699998"/>
-              <a:gd name="connsiteX20" fmla="*/ 667545 w 689185"/>
-              <a:gd name="connsiteY20" fmla="*/ 447802 h 699998"/>
-              <a:gd name="connsiteX21" fmla="*/ 608879 w 689185"/>
-              <a:gd name="connsiteY21" fmla="*/ 545611 h 699998"/>
-              <a:gd name="connsiteX22" fmla="*/ 668598 w 689185"/>
-              <a:gd name="connsiteY22" fmla="*/ 605330 h 699998"/>
-              <a:gd name="connsiteX23" fmla="*/ 668598 w 689185"/>
-              <a:gd name="connsiteY23" fmla="*/ 683520 h 699998"/>
-              <a:gd name="connsiteX24" fmla="*/ 668101 w 689185"/>
-              <a:gd name="connsiteY24" fmla="*/ 684017 h 699998"/>
-              <a:gd name="connsiteX25" fmla="*/ 589738 w 689185"/>
-              <a:gd name="connsiteY25" fmla="*/ 683520 h 699998"/>
-              <a:gd name="connsiteX26" fmla="*/ 523990 w 689185"/>
-              <a:gd name="connsiteY26" fmla="*/ 616719 h 699998"/>
-              <a:gd name="connsiteX27" fmla="*/ 439005 w 689185"/>
-              <a:gd name="connsiteY27" fmla="*/ 652512 h 699998"/>
-              <a:gd name="connsiteX28" fmla="*/ 344546 w 689185"/>
-              <a:gd name="connsiteY28" fmla="*/ 664953 h 699998"/>
-              <a:gd name="connsiteX29" fmla="*/ 101076 w 689185"/>
-              <a:gd name="connsiteY29" fmla="*/ 568101 h 699998"/>
-              <a:gd name="connsiteX30" fmla="*/ 26906 w 689185"/>
-              <a:gd name="connsiteY30" fmla="*/ 462157 h 699998"/>
-              <a:gd name="connsiteX31" fmla="*/ 13 w 689185"/>
-              <a:gd name="connsiteY31" fmla="*/ 332287 h 699998"/>
-              <a:gd name="connsiteX32" fmla="*/ 26906 w 689185"/>
-              <a:gd name="connsiteY32" fmla="*/ 201939 h 699998"/>
-              <a:gd name="connsiteX33" fmla="*/ 100884 w 689185"/>
-              <a:gd name="connsiteY33" fmla="*/ 96474 h 699998"/>
-              <a:gd name="connsiteX34" fmla="*/ 209987 w 689185"/>
-              <a:gd name="connsiteY34" fmla="*/ 25845 h 699998"/>
-              <a:gd name="connsiteX35" fmla="*/ 341675 w 689185"/>
-              <a:gd name="connsiteY35" fmla="*/ 100 h 699998"/>
+              <a:gd name="connsiteX0" fmla="*/ 0 w 1967592"/>
+              <a:gd name="connsiteY0" fmla="*/ 327932 h 1967592"/>
+              <a:gd name="connsiteX1" fmla="*/ 1967593 w 1967592"/>
+              <a:gd name="connsiteY1" fmla="*/ 327932 h 1967592"/>
+              <a:gd name="connsiteX2" fmla="*/ 1639661 w 1967592"/>
+              <a:gd name="connsiteY2" fmla="*/ 0 h 1967592"/>
+              <a:gd name="connsiteX3" fmla="*/ 1639661 w 1967592"/>
+              <a:gd name="connsiteY3" fmla="*/ 1967593 h 1967592"/>
+              <a:gd name="connsiteX4" fmla="*/ 0 w 1967592"/>
+              <a:gd name="connsiteY4" fmla="*/ 1639661 h 1967592"/>
+              <a:gd name="connsiteX5" fmla="*/ 1967593 w 1967592"/>
+              <a:gd name="connsiteY5" fmla="*/ 1639661 h 1967592"/>
+              <a:gd name="connsiteX6" fmla="*/ 327932 w 1967592"/>
+              <a:gd name="connsiteY6" fmla="*/ 0 h 1967592"/>
+              <a:gd name="connsiteX7" fmla="*/ 327932 w 1967592"/>
+              <a:gd name="connsiteY7" fmla="*/ 1967593 h 1967592"/>
             </a:gdLst>
             <a:ahLst/>
             <a:cxnLst>
@@ -3734,1675 +3733,34 @@
               <a:cxn ang="0">
                 <a:pos x="connsiteX7" y="connsiteY7"/>
               </a:cxn>
-              <a:cxn ang="0">
-                <a:pos x="connsiteX8" y="connsiteY8"/>
-              </a:cxn>
-              <a:cxn ang="0">
-                <a:pos x="connsiteX9" y="connsiteY9"/>
-              </a:cxn>
-              <a:cxn ang="0">
-                <a:pos x="connsiteX10" y="connsiteY10"/>
-              </a:cxn>
-              <a:cxn ang="0">
-                <a:pos x="connsiteX11" y="connsiteY11"/>
-              </a:cxn>
-              <a:cxn ang="0">
-                <a:pos x="connsiteX12" y="connsiteY12"/>
-              </a:cxn>
-              <a:cxn ang="0">
-                <a:pos x="connsiteX13" y="connsiteY13"/>
-              </a:cxn>
-              <a:cxn ang="0">
-                <a:pos x="connsiteX14" y="connsiteY14"/>
-              </a:cxn>
-              <a:cxn ang="0">
-                <a:pos x="connsiteX15" y="connsiteY15"/>
-              </a:cxn>
-              <a:cxn ang="0">
-                <a:pos x="connsiteX16" y="connsiteY16"/>
-              </a:cxn>
-              <a:cxn ang="0">
-                <a:pos x="connsiteX17" y="connsiteY17"/>
-              </a:cxn>
-              <a:cxn ang="0">
-                <a:pos x="connsiteX18" y="connsiteY18"/>
-              </a:cxn>
-              <a:cxn ang="0">
-                <a:pos x="connsiteX19" y="connsiteY19"/>
-              </a:cxn>
-              <a:cxn ang="0">
-                <a:pos x="connsiteX20" y="connsiteY20"/>
-              </a:cxn>
-              <a:cxn ang="0">
-                <a:pos x="connsiteX21" y="connsiteY21"/>
-              </a:cxn>
-              <a:cxn ang="0">
-                <a:pos x="connsiteX22" y="connsiteY22"/>
-              </a:cxn>
-              <a:cxn ang="0">
-                <a:pos x="connsiteX23" y="connsiteY23"/>
-              </a:cxn>
-              <a:cxn ang="0">
-                <a:pos x="connsiteX24" y="connsiteY24"/>
-              </a:cxn>
-              <a:cxn ang="0">
-                <a:pos x="connsiteX25" y="connsiteY25"/>
-              </a:cxn>
-              <a:cxn ang="0">
-                <a:pos x="connsiteX26" y="connsiteY26"/>
-              </a:cxn>
-              <a:cxn ang="0">
-                <a:pos x="connsiteX27" y="connsiteY27"/>
-              </a:cxn>
-              <a:cxn ang="0">
-                <a:pos x="connsiteX28" y="connsiteY28"/>
-              </a:cxn>
-              <a:cxn ang="0">
-                <a:pos x="connsiteX29" y="connsiteY29"/>
-              </a:cxn>
-              <a:cxn ang="0">
-                <a:pos x="connsiteX30" y="connsiteY30"/>
-              </a:cxn>
-              <a:cxn ang="0">
-                <a:pos x="connsiteX31" y="connsiteY31"/>
-              </a:cxn>
-              <a:cxn ang="0">
-                <a:pos x="connsiteX32" y="connsiteY32"/>
-              </a:cxn>
-              <a:cxn ang="0">
-                <a:pos x="connsiteX33" y="connsiteY33"/>
-              </a:cxn>
-              <a:cxn ang="0">
-                <a:pos x="connsiteX34" y="connsiteY34"/>
-              </a:cxn>
-              <a:cxn ang="0">
-                <a:pos x="connsiteX35" y="connsiteY35"/>
-              </a:cxn>
             </a:cxnLst>
             <a:rect l="l" t="t" r="r" b="b"/>
             <a:pathLst>
-              <a:path w="689185" h="699998">
+              <a:path w="1967592" h="1967592">
                 <a:moveTo>
-                  <a:pt x="341675" y="100685"/>
-                </a:moveTo>
-                <a:cubicBezTo>
-                  <a:pt x="312123" y="100882"/>
-                  <a:pt x="282907" y="106966"/>
-                  <a:pt x="255733" y="118581"/>
-                </a:cubicBezTo>
-                <a:cubicBezTo>
-                  <a:pt x="228692" y="130072"/>
-                  <a:pt x="204125" y="146678"/>
-                  <a:pt x="183381" y="167486"/>
-                </a:cubicBezTo>
-                <a:cubicBezTo>
-                  <a:pt x="140098" y="211557"/>
-                  <a:pt x="116044" y="270989"/>
-                  <a:pt x="116484" y="332766"/>
-                </a:cubicBezTo>
-                <a:cubicBezTo>
-                  <a:pt x="116009" y="394437"/>
-                  <a:pt x="140076" y="453755"/>
-                  <a:pt x="183381" y="497663"/>
-                </a:cubicBezTo>
-                <a:cubicBezTo>
-                  <a:pt x="204075" y="518507"/>
-                  <a:pt x="228613" y="535150"/>
-                  <a:pt x="255637" y="546664"/>
-                </a:cubicBezTo>
-                <a:cubicBezTo>
-                  <a:pt x="283766" y="558655"/>
-                  <a:pt x="314065" y="564713"/>
-                  <a:pt x="344642" y="564464"/>
-                </a:cubicBezTo>
-                <a:cubicBezTo>
-                  <a:pt x="405268" y="564751"/>
-                  <a:pt x="463471" y="540682"/>
-                  <a:pt x="506189" y="497663"/>
-                </a:cubicBezTo>
-                <a:cubicBezTo>
-                  <a:pt x="526939" y="476570"/>
-                  <a:pt x="543386" y="451639"/>
-                  <a:pt x="554615" y="424259"/>
-                </a:cubicBezTo>
-                <a:cubicBezTo>
-                  <a:pt x="566639" y="395232"/>
-                  <a:pt x="572694" y="364090"/>
-                  <a:pt x="572416" y="332670"/>
-                </a:cubicBezTo>
-                <a:cubicBezTo>
-                  <a:pt x="572644" y="301260"/>
-                  <a:pt x="566592" y="270118"/>
-                  <a:pt x="554615" y="241082"/>
-                </a:cubicBezTo>
-                <a:cubicBezTo>
-                  <a:pt x="532172" y="185794"/>
-                  <a:pt x="488645" y="141719"/>
-                  <a:pt x="433646" y="118581"/>
-                </a:cubicBezTo>
-                <a:cubicBezTo>
-                  <a:pt x="405502" y="106628"/>
-                  <a:pt x="375218" y="100538"/>
-                  <a:pt x="344642" y="100685"/>
-                </a:cubicBezTo>
-                <a:cubicBezTo>
-                  <a:pt x="343684" y="100679"/>
-                  <a:pt x="342727" y="100679"/>
-                  <a:pt x="341770" y="100685"/>
-                </a:cubicBezTo>
-                <a:close/>
-                <a:moveTo>
-                  <a:pt x="341770" y="5"/>
-                </a:moveTo>
-                <a:cubicBezTo>
-                  <a:pt x="342759" y="0"/>
-                  <a:pt x="343749" y="0"/>
-                  <a:pt x="344737" y="5"/>
-                </a:cubicBezTo>
-                <a:cubicBezTo>
-                  <a:pt x="390597" y="-231"/>
-                  <a:pt x="436057" y="8548"/>
-                  <a:pt x="478531" y="25845"/>
-                </a:cubicBezTo>
-                <a:cubicBezTo>
-                  <a:pt x="519163" y="42211"/>
-                  <a:pt x="556317" y="66146"/>
-                  <a:pt x="588016" y="96378"/>
-                </a:cubicBezTo>
-                <a:cubicBezTo>
-                  <a:pt x="619358" y="126379"/>
-                  <a:pt x="644552" y="162203"/>
-                  <a:pt x="662186" y="201843"/>
-                </a:cubicBezTo>
-                <a:cubicBezTo>
-                  <a:pt x="680349" y="242881"/>
-                  <a:pt x="689550" y="287316"/>
-                  <a:pt x="689174" y="332192"/>
-                </a:cubicBezTo>
-                <a:cubicBezTo>
-                  <a:pt x="689308" y="371746"/>
-                  <a:pt x="681970" y="410975"/>
-                  <a:pt x="667545" y="447802"/>
-                </a:cubicBezTo>
-                <a:cubicBezTo>
-                  <a:pt x="653669" y="483490"/>
-                  <a:pt x="633832" y="516565"/>
-                  <a:pt x="608879" y="545611"/>
-                </a:cubicBezTo>
-                <a:lnTo>
-                  <a:pt x="668598" y="605330"/>
-                </a:lnTo>
-                <a:cubicBezTo>
-                  <a:pt x="690069" y="626968"/>
-                  <a:pt x="690069" y="661881"/>
-                  <a:pt x="668598" y="683520"/>
-                </a:cubicBezTo>
-                <a:cubicBezTo>
-                  <a:pt x="668434" y="683682"/>
-                  <a:pt x="668268" y="683855"/>
-                  <a:pt x="668101" y="684017"/>
-                </a:cubicBezTo>
-                <a:cubicBezTo>
-                  <a:pt x="646325" y="705522"/>
-                  <a:pt x="611241" y="705292"/>
-                  <a:pt x="589738" y="683520"/>
-                </a:cubicBezTo>
-                <a:lnTo>
-                  <a:pt x="523990" y="616719"/>
-                </a:lnTo>
-                <a:cubicBezTo>
-                  <a:pt x="497364" y="632347"/>
-                  <a:pt x="468788" y="644377"/>
-                  <a:pt x="439005" y="652512"/>
-                </a:cubicBezTo>
-                <a:cubicBezTo>
-                  <a:pt x="408215" y="660857"/>
-                  <a:pt x="376447" y="665049"/>
-                  <a:pt x="344546" y="664953"/>
-                </a:cubicBezTo>
-                <a:cubicBezTo>
-                  <a:pt x="253870" y="665623"/>
-                  <a:pt x="166513" y="630873"/>
-                  <a:pt x="101076" y="568101"/>
-                </a:cubicBezTo>
-                <a:cubicBezTo>
-                  <a:pt x="69770" y="537888"/>
-                  <a:pt x="44586" y="501913"/>
-                  <a:pt x="26906" y="462157"/>
-                </a:cubicBezTo>
-                <a:cubicBezTo>
-                  <a:pt x="8794" y="421273"/>
-                  <a:pt x="-374" y="377000"/>
-                  <a:pt x="13" y="332287"/>
-                </a:cubicBezTo>
-                <a:cubicBezTo>
-                  <a:pt x="-393" y="287422"/>
-                  <a:pt x="8776" y="242986"/>
-                  <a:pt x="26906" y="201939"/>
-                </a:cubicBezTo>
-                <a:cubicBezTo>
-                  <a:pt x="44515" y="162327"/>
-                  <a:pt x="69639" y="126516"/>
-                  <a:pt x="100884" y="96474"/>
-                </a:cubicBezTo>
-                <a:cubicBezTo>
-                  <a:pt x="132420" y="66195"/>
-                  <a:pt x="169451" y="42221"/>
-                  <a:pt x="209987" y="25845"/>
-                </a:cubicBezTo>
-                <a:cubicBezTo>
-                  <a:pt x="251809" y="8841"/>
-                  <a:pt x="296528" y="98"/>
-                  <a:pt x="341675" y="100"/>
-                </a:cubicBezTo>
-                <a:close/>
-              </a:path>
-            </a:pathLst>
-          </a:custGeom>
-          <a:solidFill>
-            <a:srgbClr val="55C500"/>
-          </a:solidFill>
-          <a:ln w="95647" cap="flat">
-            <a:noFill/>
-            <a:prstDash val="solid"/>
-            <a:miter/>
-          </a:ln>
-        </p:spPr>
-        <p:txBody>
-          <a:bodyPr wrap="square" rtlCol="0" anchor="ctr">
-            <a:noAutofit/>
-          </a:bodyPr>
-          <a:lstStyle/>
-          <a:p>
-            <a:endParaRPr lang="ja-JP" altLang="en-US" dirty="0"/>
-          </a:p>
-        </p:txBody>
-      </p:sp>
-      <p:sp>
-        <p:nvSpPr>
-          <p:cNvPr id="19" name="グラフィックス 17">
-            <a:extLst>
-              <a:ext uri="{FF2B5EF4-FFF2-40B4-BE49-F238E27FC236}">
-                <a16:creationId xmlns:a16="http://schemas.microsoft.com/office/drawing/2014/main" id="{E32855B1-44FC-5615-FFF7-C3A9F74F0F59}"/>
-              </a:ext>
-            </a:extLst>
-          </p:cNvPr>
-          <p:cNvSpPr>
-            <a:spLocks/>
-          </p:cNvSpPr>
-          <p:nvPr/>
-        </p:nvSpPr>
-        <p:spPr>
-          <a:xfrm>
-            <a:off x="414650" y="344029"/>
-            <a:ext cx="1080000" cy="1080000"/>
-          </a:xfrm>
-          <a:custGeom>
-            <a:avLst/>
-            <a:gdLst>
-              <a:gd name="connsiteX0" fmla="*/ 97518 w 975178"/>
-              <a:gd name="connsiteY0" fmla="*/ 877661 h 877660"/>
-              <a:gd name="connsiteX1" fmla="*/ 877661 w 975178"/>
-              <a:gd name="connsiteY1" fmla="*/ 877661 h 877660"/>
-              <a:gd name="connsiteX2" fmla="*/ 975178 w 975178"/>
-              <a:gd name="connsiteY2" fmla="*/ 780143 h 877660"/>
-              <a:gd name="connsiteX3" fmla="*/ 975178 w 975178"/>
-              <a:gd name="connsiteY3" fmla="*/ 97518 h 877660"/>
-              <a:gd name="connsiteX4" fmla="*/ 877661 w 975178"/>
-              <a:gd name="connsiteY4" fmla="*/ 0 h 877660"/>
-              <a:gd name="connsiteX5" fmla="*/ 97518 w 975178"/>
-              <a:gd name="connsiteY5" fmla="*/ 0 h 877660"/>
-              <a:gd name="connsiteX6" fmla="*/ 0 w 975178"/>
-              <a:gd name="connsiteY6" fmla="*/ 97518 h 877660"/>
-              <a:gd name="connsiteX7" fmla="*/ 0 w 975178"/>
-              <a:gd name="connsiteY7" fmla="*/ 780143 h 877660"/>
-              <a:gd name="connsiteX8" fmla="*/ 97518 w 975178"/>
-              <a:gd name="connsiteY8" fmla="*/ 877661 h 877660"/>
-              <a:gd name="connsiteX9" fmla="*/ 97518 w 975178"/>
-              <a:gd name="connsiteY9" fmla="*/ 780143 h 877660"/>
-              <a:gd name="connsiteX10" fmla="*/ 97518 w 975178"/>
-              <a:gd name="connsiteY10" fmla="*/ 195036 h 877660"/>
-              <a:gd name="connsiteX11" fmla="*/ 877661 w 975178"/>
-              <a:gd name="connsiteY11" fmla="*/ 195036 h 877660"/>
-              <a:gd name="connsiteX12" fmla="*/ 877709 w 975178"/>
-              <a:gd name="connsiteY12" fmla="*/ 780143 h 877660"/>
-              <a:gd name="connsiteX13" fmla="*/ 97518 w 975178"/>
-              <a:gd name="connsiteY13" fmla="*/ 780143 h 877660"/>
-            </a:gdLst>
-            <a:ahLst/>
-            <a:cxnLst>
-              <a:cxn ang="0">
-                <a:pos x="connsiteX0" y="connsiteY0"/>
-              </a:cxn>
-              <a:cxn ang="0">
-                <a:pos x="connsiteX1" y="connsiteY1"/>
-              </a:cxn>
-              <a:cxn ang="0">
-                <a:pos x="connsiteX2" y="connsiteY2"/>
-              </a:cxn>
-              <a:cxn ang="0">
-                <a:pos x="connsiteX3" y="connsiteY3"/>
-              </a:cxn>
-              <a:cxn ang="0">
-                <a:pos x="connsiteX4" y="connsiteY4"/>
-              </a:cxn>
-              <a:cxn ang="0">
-                <a:pos x="connsiteX5" y="connsiteY5"/>
-              </a:cxn>
-              <a:cxn ang="0">
-                <a:pos x="connsiteX6" y="connsiteY6"/>
-              </a:cxn>
-              <a:cxn ang="0">
-                <a:pos x="connsiteX7" y="connsiteY7"/>
-              </a:cxn>
-              <a:cxn ang="0">
-                <a:pos x="connsiteX8" y="connsiteY8"/>
-              </a:cxn>
-              <a:cxn ang="0">
-                <a:pos x="connsiteX9" y="connsiteY9"/>
-              </a:cxn>
-              <a:cxn ang="0">
-                <a:pos x="connsiteX10" y="connsiteY10"/>
-              </a:cxn>
-              <a:cxn ang="0">
-                <a:pos x="connsiteX11" y="connsiteY11"/>
-              </a:cxn>
-              <a:cxn ang="0">
-                <a:pos x="connsiteX12" y="connsiteY12"/>
-              </a:cxn>
-              <a:cxn ang="0">
-                <a:pos x="connsiteX13" y="connsiteY13"/>
-              </a:cxn>
-            </a:cxnLst>
-            <a:rect l="l" t="t" r="r" b="b"/>
-            <a:pathLst>
-              <a:path w="975178" h="877660">
-                <a:moveTo>
-                  <a:pt x="97518" y="877661"/>
+                  <a:pt x="0" y="327932"/>
                 </a:moveTo>
                 <a:lnTo>
-                  <a:pt x="877661" y="877661"/>
+                  <a:pt x="1967593" y="327932"/>
                 </a:lnTo>
-                <a:cubicBezTo>
-                  <a:pt x="931442" y="877661"/>
-                  <a:pt x="975178" y="833924"/>
-                  <a:pt x="975178" y="780143"/>
-                </a:cubicBezTo>
-                <a:lnTo>
-                  <a:pt x="975178" y="97518"/>
-                </a:lnTo>
-                <a:cubicBezTo>
-                  <a:pt x="975178" y="43737"/>
-                  <a:pt x="931442" y="0"/>
-                  <a:pt x="877661" y="0"/>
-                </a:cubicBezTo>
-                <a:lnTo>
-                  <a:pt x="97518" y="0"/>
-                </a:lnTo>
-                <a:cubicBezTo>
-                  <a:pt x="43737" y="0"/>
-                  <a:pt x="0" y="43737"/>
-                  <a:pt x="0" y="97518"/>
-                </a:cubicBezTo>
-                <a:lnTo>
-                  <a:pt x="0" y="780143"/>
-                </a:lnTo>
-                <a:cubicBezTo>
-                  <a:pt x="0" y="833924"/>
-                  <a:pt x="43737" y="877661"/>
-                  <a:pt x="97518" y="877661"/>
-                </a:cubicBezTo>
-                <a:close/>
                 <a:moveTo>
-                  <a:pt x="97518" y="780143"/>
+                  <a:pt x="1639661" y="0"/>
                 </a:moveTo>
                 <a:lnTo>
-                  <a:pt x="97518" y="195036"/>
+                  <a:pt x="1639661" y="1967593"/>
                 </a:lnTo>
-                <a:lnTo>
-                  <a:pt x="877661" y="195036"/>
-                </a:lnTo>
-                <a:lnTo>
-                  <a:pt x="877709" y="780143"/>
-                </a:lnTo>
-                <a:lnTo>
-                  <a:pt x="97518" y="780143"/>
-                </a:lnTo>
-                <a:close/>
-              </a:path>
-            </a:pathLst>
-          </a:custGeom>
-          <a:solidFill>
-            <a:srgbClr val="55C500"/>
-          </a:solidFill>
-          <a:ln w="48419" cap="flat">
-            <a:noFill/>
-            <a:prstDash val="solid"/>
-            <a:miter/>
-          </a:ln>
-        </p:spPr>
-        <p:txBody>
-          <a:bodyPr rtlCol="0" anchor="ctr"/>
-          <a:lstStyle/>
-          <a:p>
-            <a:endParaRPr lang="ja-JP" altLang="en-US"/>
-          </a:p>
-        </p:txBody>
-      </p:sp>
-    </p:spTree>
-    <p:extLst>
-      <p:ext uri="{BB962C8B-B14F-4D97-AF65-F5344CB8AC3E}">
-        <p14:creationId xmlns:p14="http://schemas.microsoft.com/office/powerpoint/2010/main" val="3738093856"/>
-      </p:ext>
-    </p:extLst>
-  </p:cSld>
-  <p:clrMapOvr>
-    <a:masterClrMapping/>
-  </p:clrMapOvr>
-</p:sld>
-</file>
-
-<file path=ppt/slides/slide2.xml><?xml version="1.0" encoding="utf-8"?>
-<p:sld xmlns:a="http://schemas.openxmlformats.org/drawingml/2006/main" xmlns:r="http://schemas.openxmlformats.org/officeDocument/2006/relationships" xmlns:p="http://schemas.openxmlformats.org/presentationml/2006/main">
-  <p:cSld>
-    <p:bg>
-      <p:bgPr>
-        <a:solidFill>
-          <a:srgbClr val="55C500"/>
-        </a:solidFill>
-        <a:effectLst/>
-      </p:bgPr>
-    </p:bg>
-    <p:spTree>
-      <p:nvGrpSpPr>
-        <p:cNvPr id="1" name=""/>
-        <p:cNvGrpSpPr/>
-        <p:nvPr/>
-      </p:nvGrpSpPr>
-      <p:grpSpPr>
-        <a:xfrm>
-          <a:off x="0" y="0"/>
-          <a:ext cx="0" cy="0"/>
-          <a:chOff x="0" y="0"/>
-          <a:chExt cx="0" cy="0"/>
-        </a:xfrm>
-      </p:grpSpPr>
-      <p:sp>
-        <p:nvSpPr>
-          <p:cNvPr id="5" name="グラフィックス 3">
-            <a:extLst>
-              <a:ext uri="{FF2B5EF4-FFF2-40B4-BE49-F238E27FC236}">
-                <a16:creationId xmlns:a16="http://schemas.microsoft.com/office/drawing/2014/main" id="{DF95F24F-AA71-156E-13E7-583F7C954597}"/>
-              </a:ext>
-            </a:extLst>
-          </p:cNvPr>
-          <p:cNvSpPr/>
-          <p:nvPr/>
-        </p:nvSpPr>
-        <p:spPr>
-          <a:xfrm>
-            <a:off x="2188782" y="2655393"/>
-            <a:ext cx="4158366" cy="1267295"/>
-          </a:xfrm>
-          <a:custGeom>
-            <a:avLst/>
-            <a:gdLst>
-              <a:gd name="connsiteX0" fmla="*/ 618577 w 4158366"/>
-              <a:gd name="connsiteY0" fmla="*/ 182 h 1267295"/>
-              <a:gd name="connsiteX1" fmla="*/ 380165 w 4158366"/>
-              <a:gd name="connsiteY1" fmla="*/ 46790 h 1267295"/>
-              <a:gd name="connsiteX2" fmla="*/ 182644 w 4158366"/>
-              <a:gd name="connsiteY2" fmla="*/ 174659 h 1267295"/>
-              <a:gd name="connsiteX3" fmla="*/ 48711 w 4158366"/>
-              <a:gd name="connsiteY3" fmla="*/ 365596 h 1267295"/>
-              <a:gd name="connsiteX4" fmla="*/ 23 w 4158366"/>
-              <a:gd name="connsiteY4" fmla="*/ 601582 h 1267295"/>
-              <a:gd name="connsiteX5" fmla="*/ 48711 w 4158366"/>
-              <a:gd name="connsiteY5" fmla="*/ 836702 h 1267295"/>
-              <a:gd name="connsiteX6" fmla="*/ 182990 w 4158366"/>
-              <a:gd name="connsiteY6" fmla="*/ 1028505 h 1267295"/>
-              <a:gd name="connsiteX7" fmla="*/ 623775 w 4158366"/>
-              <a:gd name="connsiteY7" fmla="*/ 1203849 h 1267295"/>
-              <a:gd name="connsiteX8" fmla="*/ 794787 w 4158366"/>
-              <a:gd name="connsiteY8" fmla="*/ 1181324 h 1267295"/>
-              <a:gd name="connsiteX9" fmla="*/ 948645 w 4158366"/>
-              <a:gd name="connsiteY9" fmla="*/ 1116524 h 1267295"/>
-              <a:gd name="connsiteX10" fmla="*/ 1067678 w 4158366"/>
-              <a:gd name="connsiteY10" fmla="*/ 1237462 h 1267295"/>
-              <a:gd name="connsiteX11" fmla="*/ 1209549 w 4158366"/>
-              <a:gd name="connsiteY11" fmla="*/ 1238363 h 1267295"/>
-              <a:gd name="connsiteX12" fmla="*/ 1210448 w 4158366"/>
-              <a:gd name="connsiteY12" fmla="*/ 1237462 h 1267295"/>
-              <a:gd name="connsiteX13" fmla="*/ 1210448 w 4158366"/>
-              <a:gd name="connsiteY13" fmla="*/ 1095905 h 1267295"/>
-              <a:gd name="connsiteX14" fmla="*/ 1102331 w 4158366"/>
-              <a:gd name="connsiteY14" fmla="*/ 987788 h 1267295"/>
-              <a:gd name="connsiteX15" fmla="*/ 1208542 w 4158366"/>
-              <a:gd name="connsiteY15" fmla="*/ 810712 h 1267295"/>
-              <a:gd name="connsiteX16" fmla="*/ 1247700 w 4158366"/>
-              <a:gd name="connsiteY16" fmla="*/ 601409 h 1267295"/>
-              <a:gd name="connsiteX17" fmla="*/ 1198839 w 4158366"/>
-              <a:gd name="connsiteY17" fmla="*/ 365423 h 1267295"/>
-              <a:gd name="connsiteX18" fmla="*/ 1064559 w 4158366"/>
-              <a:gd name="connsiteY18" fmla="*/ 174485 h 1267295"/>
-              <a:gd name="connsiteX19" fmla="*/ 866345 w 4158366"/>
-              <a:gd name="connsiteY19" fmla="*/ 46790 h 1267295"/>
-              <a:gd name="connsiteX20" fmla="*/ 624121 w 4158366"/>
-              <a:gd name="connsiteY20" fmla="*/ 8 h 1267295"/>
-              <a:gd name="connsiteX21" fmla="*/ 618750 w 4158366"/>
-              <a:gd name="connsiteY21" fmla="*/ 8 h 1267295"/>
-              <a:gd name="connsiteX22" fmla="*/ 2577503 w 4158366"/>
-              <a:gd name="connsiteY22" fmla="*/ 32235 h 1267295"/>
-              <a:gd name="connsiteX23" fmla="*/ 2577503 w 4158366"/>
-              <a:gd name="connsiteY23" fmla="*/ 289360 h 1267295"/>
-              <a:gd name="connsiteX24" fmla="*/ 2444956 w 4158366"/>
-              <a:gd name="connsiteY24" fmla="*/ 289360 h 1267295"/>
-              <a:gd name="connsiteX25" fmla="*/ 2444956 w 4158366"/>
-              <a:gd name="connsiteY25" fmla="*/ 473540 h 1267295"/>
-              <a:gd name="connsiteX26" fmla="*/ 2577503 w 4158366"/>
-              <a:gd name="connsiteY26" fmla="*/ 473540 h 1267295"/>
-              <a:gd name="connsiteX27" fmla="*/ 2577503 w 4158366"/>
-              <a:gd name="connsiteY27" fmla="*/ 844672 h 1267295"/>
-              <a:gd name="connsiteX28" fmla="*/ 2605052 w 4158366"/>
-              <a:gd name="connsiteY28" fmla="*/ 1022787 h 1267295"/>
-              <a:gd name="connsiteX29" fmla="*/ 2680076 w 4158366"/>
-              <a:gd name="connsiteY29" fmla="*/ 1131944 h 1267295"/>
-              <a:gd name="connsiteX30" fmla="*/ 2791484 w 4158366"/>
-              <a:gd name="connsiteY30" fmla="*/ 1186869 h 1267295"/>
-              <a:gd name="connsiteX31" fmla="*/ 2911730 w 4158366"/>
-              <a:gd name="connsiteY31" fmla="*/ 1201770 h 1267295"/>
-              <a:gd name="connsiteX32" fmla="*/ 3059524 w 4158366"/>
-              <a:gd name="connsiteY32" fmla="*/ 1201770 h 1267295"/>
-              <a:gd name="connsiteX33" fmla="*/ 3059524 w 4158366"/>
-              <a:gd name="connsiteY33" fmla="*/ 1026253 h 1267295"/>
-              <a:gd name="connsiteX34" fmla="*/ 2932002 w 4158366"/>
-              <a:gd name="connsiteY34" fmla="*/ 1026253 h 1267295"/>
-              <a:gd name="connsiteX35" fmla="*/ 2871013 w 4158366"/>
-              <a:gd name="connsiteY35" fmla="*/ 1017936 h 1267295"/>
-              <a:gd name="connsiteX36" fmla="*/ 2820593 w 4158366"/>
-              <a:gd name="connsiteY36" fmla="*/ 988654 h 1267295"/>
-              <a:gd name="connsiteX37" fmla="*/ 2785940 w 4158366"/>
-              <a:gd name="connsiteY37" fmla="*/ 932517 h 1267295"/>
-              <a:gd name="connsiteX38" fmla="*/ 2773118 w 4158366"/>
-              <a:gd name="connsiteY38" fmla="*/ 842593 h 1267295"/>
-              <a:gd name="connsiteX39" fmla="*/ 2773118 w 4158366"/>
-              <a:gd name="connsiteY39" fmla="*/ 473540 h 1267295"/>
-              <a:gd name="connsiteX40" fmla="*/ 3061777 w 4158366"/>
-              <a:gd name="connsiteY40" fmla="*/ 473540 h 1267295"/>
-              <a:gd name="connsiteX41" fmla="*/ 3061777 w 4158366"/>
-              <a:gd name="connsiteY41" fmla="*/ 289360 h 1267295"/>
-              <a:gd name="connsiteX42" fmla="*/ 2774158 w 4158366"/>
-              <a:gd name="connsiteY42" fmla="*/ 289360 h 1267295"/>
-              <a:gd name="connsiteX43" fmla="*/ 2774158 w 4158366"/>
-              <a:gd name="connsiteY43" fmla="*/ 32235 h 1267295"/>
-              <a:gd name="connsiteX44" fmla="*/ 1628708 w 4158366"/>
-              <a:gd name="connsiteY44" fmla="*/ 89066 h 1267295"/>
-              <a:gd name="connsiteX45" fmla="*/ 1509155 w 4158366"/>
-              <a:gd name="connsiteY45" fmla="*/ 208618 h 1267295"/>
-              <a:gd name="connsiteX46" fmla="*/ 1509155 w 4158366"/>
-              <a:gd name="connsiteY46" fmla="*/ 208792 h 1267295"/>
-              <a:gd name="connsiteX47" fmla="*/ 1628708 w 4158366"/>
-              <a:gd name="connsiteY47" fmla="*/ 328344 h 1267295"/>
-              <a:gd name="connsiteX48" fmla="*/ 1748433 w 4158366"/>
-              <a:gd name="connsiteY48" fmla="*/ 208965 h 1267295"/>
-              <a:gd name="connsiteX49" fmla="*/ 1748433 w 4158366"/>
-              <a:gd name="connsiteY49" fmla="*/ 208792 h 1267295"/>
-              <a:gd name="connsiteX50" fmla="*/ 1629054 w 4158366"/>
-              <a:gd name="connsiteY50" fmla="*/ 89066 h 1267295"/>
-              <a:gd name="connsiteX51" fmla="*/ 1628881 w 4158366"/>
-              <a:gd name="connsiteY51" fmla="*/ 89066 h 1267295"/>
-              <a:gd name="connsiteX52" fmla="*/ 2108823 w 4158366"/>
-              <a:gd name="connsiteY52" fmla="*/ 89066 h 1267295"/>
-              <a:gd name="connsiteX53" fmla="*/ 1989271 w 4158366"/>
-              <a:gd name="connsiteY53" fmla="*/ 208618 h 1267295"/>
-              <a:gd name="connsiteX54" fmla="*/ 1989271 w 4158366"/>
-              <a:gd name="connsiteY54" fmla="*/ 208792 h 1267295"/>
-              <a:gd name="connsiteX55" fmla="*/ 2108823 w 4158366"/>
-              <a:gd name="connsiteY55" fmla="*/ 328344 h 1267295"/>
-              <a:gd name="connsiteX56" fmla="*/ 2228549 w 4158366"/>
-              <a:gd name="connsiteY56" fmla="*/ 208965 h 1267295"/>
-              <a:gd name="connsiteX57" fmla="*/ 2228549 w 4158366"/>
-              <a:gd name="connsiteY57" fmla="*/ 208792 h 1267295"/>
-              <a:gd name="connsiteX58" fmla="*/ 2109170 w 4158366"/>
-              <a:gd name="connsiteY58" fmla="*/ 89066 h 1267295"/>
-              <a:gd name="connsiteX59" fmla="*/ 2108996 w 4158366"/>
-              <a:gd name="connsiteY59" fmla="*/ 89066 h 1267295"/>
-              <a:gd name="connsiteX60" fmla="*/ 618750 w 4158366"/>
-              <a:gd name="connsiteY60" fmla="*/ 182282 h 1267295"/>
-              <a:gd name="connsiteX61" fmla="*/ 623948 w 4158366"/>
-              <a:gd name="connsiteY61" fmla="*/ 182282 h 1267295"/>
-              <a:gd name="connsiteX62" fmla="*/ 785084 w 4158366"/>
-              <a:gd name="connsiteY62" fmla="*/ 214683 h 1267295"/>
-              <a:gd name="connsiteX63" fmla="*/ 1004090 w 4158366"/>
-              <a:gd name="connsiteY63" fmla="*/ 436461 h 1267295"/>
-              <a:gd name="connsiteX64" fmla="*/ 1036317 w 4158366"/>
-              <a:gd name="connsiteY64" fmla="*/ 602275 h 1267295"/>
-              <a:gd name="connsiteX65" fmla="*/ 1004090 w 4158366"/>
-              <a:gd name="connsiteY65" fmla="*/ 768089 h 1267295"/>
-              <a:gd name="connsiteX66" fmla="*/ 916418 w 4158366"/>
-              <a:gd name="connsiteY66" fmla="*/ 900983 h 1267295"/>
-              <a:gd name="connsiteX67" fmla="*/ 623948 w 4158366"/>
-              <a:gd name="connsiteY67" fmla="*/ 1021921 h 1267295"/>
-              <a:gd name="connsiteX68" fmla="*/ 462812 w 4158366"/>
-              <a:gd name="connsiteY68" fmla="*/ 989694 h 1267295"/>
-              <a:gd name="connsiteX69" fmla="*/ 331998 w 4158366"/>
-              <a:gd name="connsiteY69" fmla="*/ 900983 h 1267295"/>
-              <a:gd name="connsiteX70" fmla="*/ 210886 w 4158366"/>
-              <a:gd name="connsiteY70" fmla="*/ 602448 h 1267295"/>
-              <a:gd name="connsiteX71" fmla="*/ 331998 w 4158366"/>
-              <a:gd name="connsiteY71" fmla="*/ 303221 h 1267295"/>
-              <a:gd name="connsiteX72" fmla="*/ 462986 w 4158366"/>
-              <a:gd name="connsiteY72" fmla="*/ 214683 h 1267295"/>
-              <a:gd name="connsiteX73" fmla="*/ 618577 w 4158366"/>
-              <a:gd name="connsiteY73" fmla="*/ 182282 h 1267295"/>
-              <a:gd name="connsiteX74" fmla="*/ 3676518 w 4158366"/>
-              <a:gd name="connsiteY74" fmla="*/ 316216 h 1267295"/>
-              <a:gd name="connsiteX75" fmla="*/ 3499789 w 4158366"/>
-              <a:gd name="connsiteY75" fmla="*/ 351042 h 1267295"/>
-              <a:gd name="connsiteX76" fmla="*/ 3358579 w 4158366"/>
-              <a:gd name="connsiteY76" fmla="*/ 446684 h 1267295"/>
-              <a:gd name="connsiteX77" fmla="*/ 3267615 w 4158366"/>
-              <a:gd name="connsiteY77" fmla="*/ 587721 h 1267295"/>
-              <a:gd name="connsiteX78" fmla="*/ 3235388 w 4158366"/>
-              <a:gd name="connsiteY78" fmla="*/ 760639 h 1267295"/>
-              <a:gd name="connsiteX79" fmla="*/ 3267615 w 4158366"/>
-              <a:gd name="connsiteY79" fmla="*/ 933383 h 1267295"/>
-              <a:gd name="connsiteX80" fmla="*/ 3358579 w 4158366"/>
-              <a:gd name="connsiteY80" fmla="*/ 1074420 h 1267295"/>
-              <a:gd name="connsiteX81" fmla="*/ 3499789 w 4158366"/>
-              <a:gd name="connsiteY81" fmla="*/ 1169023 h 1267295"/>
-              <a:gd name="connsiteX82" fmla="*/ 3683276 w 4158366"/>
-              <a:gd name="connsiteY82" fmla="*/ 1203675 h 1267295"/>
-              <a:gd name="connsiteX83" fmla="*/ 3773027 w 4158366"/>
-              <a:gd name="connsiteY83" fmla="*/ 1193973 h 1267295"/>
-              <a:gd name="connsiteX84" fmla="*/ 3852728 w 4158366"/>
-              <a:gd name="connsiteY84" fmla="*/ 1168676 h 1267295"/>
-              <a:gd name="connsiteX85" fmla="*/ 3920994 w 4158366"/>
-              <a:gd name="connsiteY85" fmla="*/ 1131771 h 1267295"/>
-              <a:gd name="connsiteX86" fmla="*/ 3977998 w 4158366"/>
-              <a:gd name="connsiteY86" fmla="*/ 1086202 h 1267295"/>
-              <a:gd name="connsiteX87" fmla="*/ 3989261 w 4158366"/>
-              <a:gd name="connsiteY87" fmla="*/ 1178032 h 1267295"/>
-              <a:gd name="connsiteX88" fmla="*/ 4158366 w 4158366"/>
-              <a:gd name="connsiteY88" fmla="*/ 1178032 h 1267295"/>
-              <a:gd name="connsiteX89" fmla="*/ 4158366 w 4158366"/>
-              <a:gd name="connsiteY89" fmla="*/ 341339 h 1267295"/>
-              <a:gd name="connsiteX90" fmla="*/ 3989261 w 4158366"/>
-              <a:gd name="connsiteY90" fmla="*/ 341339 h 1267295"/>
-              <a:gd name="connsiteX91" fmla="*/ 3977478 w 4158366"/>
-              <a:gd name="connsiteY91" fmla="*/ 433689 h 1267295"/>
-              <a:gd name="connsiteX92" fmla="*/ 3921688 w 4158366"/>
-              <a:gd name="connsiteY92" fmla="*/ 388640 h 1267295"/>
-              <a:gd name="connsiteX93" fmla="*/ 3853421 w 4158366"/>
-              <a:gd name="connsiteY93" fmla="*/ 351042 h 1267295"/>
-              <a:gd name="connsiteX94" fmla="*/ 3773373 w 4158366"/>
-              <a:gd name="connsiteY94" fmla="*/ 325918 h 1267295"/>
-              <a:gd name="connsiteX95" fmla="*/ 3683102 w 4158366"/>
-              <a:gd name="connsiteY95" fmla="*/ 316216 h 1267295"/>
-              <a:gd name="connsiteX96" fmla="*/ 3676518 w 4158366"/>
-              <a:gd name="connsiteY96" fmla="*/ 316216 h 1267295"/>
-              <a:gd name="connsiteX97" fmla="*/ 1532373 w 4158366"/>
-              <a:gd name="connsiteY97" fmla="*/ 462451 h 1267295"/>
-              <a:gd name="connsiteX98" fmla="*/ 1532373 w 4158366"/>
-              <a:gd name="connsiteY98" fmla="*/ 1179418 h 1267295"/>
-              <a:gd name="connsiteX99" fmla="*/ 1725216 w 4158366"/>
-              <a:gd name="connsiteY99" fmla="*/ 1179418 h 1267295"/>
-              <a:gd name="connsiteX100" fmla="*/ 1725216 w 4158366"/>
-              <a:gd name="connsiteY100" fmla="*/ 462278 h 1267295"/>
-              <a:gd name="connsiteX101" fmla="*/ 2012315 w 4158366"/>
-              <a:gd name="connsiteY101" fmla="*/ 462451 h 1267295"/>
-              <a:gd name="connsiteX102" fmla="*/ 2012315 w 4158366"/>
-              <a:gd name="connsiteY102" fmla="*/ 1179418 h 1267295"/>
-              <a:gd name="connsiteX103" fmla="*/ 2205331 w 4158366"/>
-              <a:gd name="connsiteY103" fmla="*/ 1179418 h 1267295"/>
-              <a:gd name="connsiteX104" fmla="*/ 2205331 w 4158366"/>
-              <a:gd name="connsiteY104" fmla="*/ 462278 h 1267295"/>
-              <a:gd name="connsiteX105" fmla="*/ 3696444 w 4158366"/>
-              <a:gd name="connsiteY105" fmla="*/ 487574 h 1267295"/>
-              <a:gd name="connsiteX106" fmla="*/ 3700602 w 4158366"/>
-              <a:gd name="connsiteY106" fmla="*/ 487574 h 1267295"/>
-              <a:gd name="connsiteX107" fmla="*/ 3890846 w 4158366"/>
-              <a:gd name="connsiteY107" fmla="*/ 564677 h 1267295"/>
-              <a:gd name="connsiteX108" fmla="*/ 3948717 w 4158366"/>
-              <a:gd name="connsiteY108" fmla="*/ 650442 h 1267295"/>
-              <a:gd name="connsiteX109" fmla="*/ 3969682 w 4158366"/>
-              <a:gd name="connsiteY109" fmla="*/ 759772 h 1267295"/>
-              <a:gd name="connsiteX110" fmla="*/ 3948717 w 4158366"/>
-              <a:gd name="connsiteY110" fmla="*/ 870661 h 1267295"/>
-              <a:gd name="connsiteX111" fmla="*/ 3891366 w 4158366"/>
-              <a:gd name="connsiteY111" fmla="*/ 956947 h 1267295"/>
-              <a:gd name="connsiteX112" fmla="*/ 3806467 w 4158366"/>
-              <a:gd name="connsiteY112" fmla="*/ 1013085 h 1267295"/>
-              <a:gd name="connsiteX113" fmla="*/ 3597337 w 4158366"/>
-              <a:gd name="connsiteY113" fmla="*/ 1013085 h 1267295"/>
-              <a:gd name="connsiteX114" fmla="*/ 3511917 w 4158366"/>
-              <a:gd name="connsiteY114" fmla="*/ 956947 h 1267295"/>
-              <a:gd name="connsiteX115" fmla="*/ 3454221 w 4158366"/>
-              <a:gd name="connsiteY115" fmla="*/ 870315 h 1267295"/>
-              <a:gd name="connsiteX116" fmla="*/ 3433082 w 4158366"/>
-              <a:gd name="connsiteY116" fmla="*/ 759772 h 1267295"/>
-              <a:gd name="connsiteX117" fmla="*/ 3453874 w 4158366"/>
-              <a:gd name="connsiteY117" fmla="*/ 649403 h 1267295"/>
-              <a:gd name="connsiteX118" fmla="*/ 3510704 w 4158366"/>
-              <a:gd name="connsiteY118" fmla="*/ 563637 h 1267295"/>
-              <a:gd name="connsiteX119" fmla="*/ 3595604 w 4158366"/>
-              <a:gd name="connsiteY119" fmla="*/ 507673 h 1267295"/>
-              <a:gd name="connsiteX120" fmla="*/ 3696271 w 4158366"/>
-              <a:gd name="connsiteY120" fmla="*/ 487574 h 1267295"/>
-            </a:gdLst>
-            <a:ahLst/>
-            <a:cxnLst>
-              <a:cxn ang="0">
-                <a:pos x="connsiteX0" y="connsiteY0"/>
-              </a:cxn>
-              <a:cxn ang="0">
-                <a:pos x="connsiteX1" y="connsiteY1"/>
-              </a:cxn>
-              <a:cxn ang="0">
-                <a:pos x="connsiteX2" y="connsiteY2"/>
-              </a:cxn>
-              <a:cxn ang="0">
-                <a:pos x="connsiteX3" y="connsiteY3"/>
-              </a:cxn>
-              <a:cxn ang="0">
-                <a:pos x="connsiteX4" y="connsiteY4"/>
-              </a:cxn>
-              <a:cxn ang="0">
-                <a:pos x="connsiteX5" y="connsiteY5"/>
-              </a:cxn>
-              <a:cxn ang="0">
-                <a:pos x="connsiteX6" y="connsiteY6"/>
-              </a:cxn>
-              <a:cxn ang="0">
-                <a:pos x="connsiteX7" y="connsiteY7"/>
-              </a:cxn>
-              <a:cxn ang="0">
-                <a:pos x="connsiteX8" y="connsiteY8"/>
-              </a:cxn>
-              <a:cxn ang="0">
-                <a:pos x="connsiteX9" y="connsiteY9"/>
-              </a:cxn>
-              <a:cxn ang="0">
-                <a:pos x="connsiteX10" y="connsiteY10"/>
-              </a:cxn>
-              <a:cxn ang="0">
-                <a:pos x="connsiteX11" y="connsiteY11"/>
-              </a:cxn>
-              <a:cxn ang="0">
-                <a:pos x="connsiteX12" y="connsiteY12"/>
-              </a:cxn>
-              <a:cxn ang="0">
-                <a:pos x="connsiteX13" y="connsiteY13"/>
-              </a:cxn>
-              <a:cxn ang="0">
-                <a:pos x="connsiteX14" y="connsiteY14"/>
-              </a:cxn>
-              <a:cxn ang="0">
-                <a:pos x="connsiteX15" y="connsiteY15"/>
-              </a:cxn>
-              <a:cxn ang="0">
-                <a:pos x="connsiteX16" y="connsiteY16"/>
-              </a:cxn>
-              <a:cxn ang="0">
-                <a:pos x="connsiteX17" y="connsiteY17"/>
-              </a:cxn>
-              <a:cxn ang="0">
-                <a:pos x="connsiteX18" y="connsiteY18"/>
-              </a:cxn>
-              <a:cxn ang="0">
-                <a:pos x="connsiteX19" y="connsiteY19"/>
-              </a:cxn>
-              <a:cxn ang="0">
-                <a:pos x="connsiteX20" y="connsiteY20"/>
-              </a:cxn>
-              <a:cxn ang="0">
-                <a:pos x="connsiteX21" y="connsiteY21"/>
-              </a:cxn>
-              <a:cxn ang="0">
-                <a:pos x="connsiteX22" y="connsiteY22"/>
-              </a:cxn>
-              <a:cxn ang="0">
-                <a:pos x="connsiteX23" y="connsiteY23"/>
-              </a:cxn>
-              <a:cxn ang="0">
-                <a:pos x="connsiteX24" y="connsiteY24"/>
-              </a:cxn>
-              <a:cxn ang="0">
-                <a:pos x="connsiteX25" y="connsiteY25"/>
-              </a:cxn>
-              <a:cxn ang="0">
-                <a:pos x="connsiteX26" y="connsiteY26"/>
-              </a:cxn>
-              <a:cxn ang="0">
-                <a:pos x="connsiteX27" y="connsiteY27"/>
-              </a:cxn>
-              <a:cxn ang="0">
-                <a:pos x="connsiteX28" y="connsiteY28"/>
-              </a:cxn>
-              <a:cxn ang="0">
-                <a:pos x="connsiteX29" y="connsiteY29"/>
-              </a:cxn>
-              <a:cxn ang="0">
-                <a:pos x="connsiteX30" y="connsiteY30"/>
-              </a:cxn>
-              <a:cxn ang="0">
-                <a:pos x="connsiteX31" y="connsiteY31"/>
-              </a:cxn>
-              <a:cxn ang="0">
-                <a:pos x="connsiteX32" y="connsiteY32"/>
-              </a:cxn>
-              <a:cxn ang="0">
-                <a:pos x="connsiteX33" y="connsiteY33"/>
-              </a:cxn>
-              <a:cxn ang="0">
-                <a:pos x="connsiteX34" y="connsiteY34"/>
-              </a:cxn>
-              <a:cxn ang="0">
-                <a:pos x="connsiteX35" y="connsiteY35"/>
-              </a:cxn>
-              <a:cxn ang="0">
-                <a:pos x="connsiteX36" y="connsiteY36"/>
-              </a:cxn>
-              <a:cxn ang="0">
-                <a:pos x="connsiteX37" y="connsiteY37"/>
-              </a:cxn>
-              <a:cxn ang="0">
-                <a:pos x="connsiteX38" y="connsiteY38"/>
-              </a:cxn>
-              <a:cxn ang="0">
-                <a:pos x="connsiteX39" y="connsiteY39"/>
-              </a:cxn>
-              <a:cxn ang="0">
-                <a:pos x="connsiteX40" y="connsiteY40"/>
-              </a:cxn>
-              <a:cxn ang="0">
-                <a:pos x="connsiteX41" y="connsiteY41"/>
-              </a:cxn>
-              <a:cxn ang="0">
-                <a:pos x="connsiteX42" y="connsiteY42"/>
-              </a:cxn>
-              <a:cxn ang="0">
-                <a:pos x="connsiteX43" y="connsiteY43"/>
-              </a:cxn>
-              <a:cxn ang="0">
-                <a:pos x="connsiteX44" y="connsiteY44"/>
-              </a:cxn>
-              <a:cxn ang="0">
-                <a:pos x="connsiteX45" y="connsiteY45"/>
-              </a:cxn>
-              <a:cxn ang="0">
-                <a:pos x="connsiteX46" y="connsiteY46"/>
-              </a:cxn>
-              <a:cxn ang="0">
-                <a:pos x="connsiteX47" y="connsiteY47"/>
-              </a:cxn>
-              <a:cxn ang="0">
-                <a:pos x="connsiteX48" y="connsiteY48"/>
-              </a:cxn>
-              <a:cxn ang="0">
-                <a:pos x="connsiteX49" y="connsiteY49"/>
-              </a:cxn>
-              <a:cxn ang="0">
-                <a:pos x="connsiteX50" y="connsiteY50"/>
-              </a:cxn>
-              <a:cxn ang="0">
-                <a:pos x="connsiteX51" y="connsiteY51"/>
-              </a:cxn>
-              <a:cxn ang="0">
-                <a:pos x="connsiteX52" y="connsiteY52"/>
-              </a:cxn>
-              <a:cxn ang="0">
-                <a:pos x="connsiteX53" y="connsiteY53"/>
-              </a:cxn>
-              <a:cxn ang="0">
-                <a:pos x="connsiteX54" y="connsiteY54"/>
-              </a:cxn>
-              <a:cxn ang="0">
-                <a:pos x="connsiteX55" y="connsiteY55"/>
-              </a:cxn>
-              <a:cxn ang="0">
-                <a:pos x="connsiteX56" y="connsiteY56"/>
-              </a:cxn>
-              <a:cxn ang="0">
-                <a:pos x="connsiteX57" y="connsiteY57"/>
-              </a:cxn>
-              <a:cxn ang="0">
-                <a:pos x="connsiteX58" y="connsiteY58"/>
-              </a:cxn>
-              <a:cxn ang="0">
-                <a:pos x="connsiteX59" y="connsiteY59"/>
-              </a:cxn>
-              <a:cxn ang="0">
-                <a:pos x="connsiteX60" y="connsiteY60"/>
-              </a:cxn>
-              <a:cxn ang="0">
-                <a:pos x="connsiteX61" y="connsiteY61"/>
-              </a:cxn>
-              <a:cxn ang="0">
-                <a:pos x="connsiteX62" y="connsiteY62"/>
-              </a:cxn>
-              <a:cxn ang="0">
-                <a:pos x="connsiteX63" y="connsiteY63"/>
-              </a:cxn>
-              <a:cxn ang="0">
-                <a:pos x="connsiteX64" y="connsiteY64"/>
-              </a:cxn>
-              <a:cxn ang="0">
-                <a:pos x="connsiteX65" y="connsiteY65"/>
-              </a:cxn>
-              <a:cxn ang="0">
-                <a:pos x="connsiteX66" y="connsiteY66"/>
-              </a:cxn>
-              <a:cxn ang="0">
-                <a:pos x="connsiteX67" y="connsiteY67"/>
-              </a:cxn>
-              <a:cxn ang="0">
-                <a:pos x="connsiteX68" y="connsiteY68"/>
-              </a:cxn>
-              <a:cxn ang="0">
-                <a:pos x="connsiteX69" y="connsiteY69"/>
-              </a:cxn>
-              <a:cxn ang="0">
-                <a:pos x="connsiteX70" y="connsiteY70"/>
-              </a:cxn>
-              <a:cxn ang="0">
-                <a:pos x="connsiteX71" y="connsiteY71"/>
-              </a:cxn>
-              <a:cxn ang="0">
-                <a:pos x="connsiteX72" y="connsiteY72"/>
-              </a:cxn>
-              <a:cxn ang="0">
-                <a:pos x="connsiteX73" y="connsiteY73"/>
-              </a:cxn>
-              <a:cxn ang="0">
-                <a:pos x="connsiteX74" y="connsiteY74"/>
-              </a:cxn>
-              <a:cxn ang="0">
-                <a:pos x="connsiteX75" y="connsiteY75"/>
-              </a:cxn>
-              <a:cxn ang="0">
-                <a:pos x="connsiteX76" y="connsiteY76"/>
-              </a:cxn>
-              <a:cxn ang="0">
-                <a:pos x="connsiteX77" y="connsiteY77"/>
-              </a:cxn>
-              <a:cxn ang="0">
-                <a:pos x="connsiteX78" y="connsiteY78"/>
-              </a:cxn>
-              <a:cxn ang="0">
-                <a:pos x="connsiteX79" y="connsiteY79"/>
-              </a:cxn>
-              <a:cxn ang="0">
-                <a:pos x="connsiteX80" y="connsiteY80"/>
-              </a:cxn>
-              <a:cxn ang="0">
-                <a:pos x="connsiteX81" y="connsiteY81"/>
-              </a:cxn>
-              <a:cxn ang="0">
-                <a:pos x="connsiteX82" y="connsiteY82"/>
-              </a:cxn>
-              <a:cxn ang="0">
-                <a:pos x="connsiteX83" y="connsiteY83"/>
-              </a:cxn>
-              <a:cxn ang="0">
-                <a:pos x="connsiteX84" y="connsiteY84"/>
-              </a:cxn>
-              <a:cxn ang="0">
-                <a:pos x="connsiteX85" y="connsiteY85"/>
-              </a:cxn>
-              <a:cxn ang="0">
-                <a:pos x="connsiteX86" y="connsiteY86"/>
-              </a:cxn>
-              <a:cxn ang="0">
-                <a:pos x="connsiteX87" y="connsiteY87"/>
-              </a:cxn>
-              <a:cxn ang="0">
-                <a:pos x="connsiteX88" y="connsiteY88"/>
-              </a:cxn>
-              <a:cxn ang="0">
-                <a:pos x="connsiteX89" y="connsiteY89"/>
-              </a:cxn>
-              <a:cxn ang="0">
-                <a:pos x="connsiteX90" y="connsiteY90"/>
-              </a:cxn>
-              <a:cxn ang="0">
-                <a:pos x="connsiteX91" y="connsiteY91"/>
-              </a:cxn>
-              <a:cxn ang="0">
-                <a:pos x="connsiteX92" y="connsiteY92"/>
-              </a:cxn>
-              <a:cxn ang="0">
-                <a:pos x="connsiteX93" y="connsiteY93"/>
-              </a:cxn>
-              <a:cxn ang="0">
-                <a:pos x="connsiteX94" y="connsiteY94"/>
-              </a:cxn>
-              <a:cxn ang="0">
-                <a:pos x="connsiteX95" y="connsiteY95"/>
-              </a:cxn>
-              <a:cxn ang="0">
-                <a:pos x="connsiteX96" y="connsiteY96"/>
-              </a:cxn>
-              <a:cxn ang="0">
-                <a:pos x="connsiteX97" y="connsiteY97"/>
-              </a:cxn>
-              <a:cxn ang="0">
-                <a:pos x="connsiteX98" y="connsiteY98"/>
-              </a:cxn>
-              <a:cxn ang="0">
-                <a:pos x="connsiteX99" y="connsiteY99"/>
-              </a:cxn>
-              <a:cxn ang="0">
-                <a:pos x="connsiteX100" y="connsiteY100"/>
-              </a:cxn>
-              <a:cxn ang="0">
-                <a:pos x="connsiteX101" y="connsiteY101"/>
-              </a:cxn>
-              <a:cxn ang="0">
-                <a:pos x="connsiteX102" y="connsiteY102"/>
-              </a:cxn>
-              <a:cxn ang="0">
-                <a:pos x="connsiteX103" y="connsiteY103"/>
-              </a:cxn>
-              <a:cxn ang="0">
-                <a:pos x="connsiteX104" y="connsiteY104"/>
-              </a:cxn>
-              <a:cxn ang="0">
-                <a:pos x="connsiteX105" y="connsiteY105"/>
-              </a:cxn>
-              <a:cxn ang="0">
-                <a:pos x="connsiteX106" y="connsiteY106"/>
-              </a:cxn>
-              <a:cxn ang="0">
-                <a:pos x="connsiteX107" y="connsiteY107"/>
-              </a:cxn>
-              <a:cxn ang="0">
-                <a:pos x="connsiteX108" y="connsiteY108"/>
-              </a:cxn>
-              <a:cxn ang="0">
-                <a:pos x="connsiteX109" y="connsiteY109"/>
-              </a:cxn>
-              <a:cxn ang="0">
-                <a:pos x="connsiteX110" y="connsiteY110"/>
-              </a:cxn>
-              <a:cxn ang="0">
-                <a:pos x="connsiteX111" y="connsiteY111"/>
-              </a:cxn>
-              <a:cxn ang="0">
-                <a:pos x="connsiteX112" y="connsiteY112"/>
-              </a:cxn>
-              <a:cxn ang="0">
-                <a:pos x="connsiteX113" y="connsiteY113"/>
-              </a:cxn>
-              <a:cxn ang="0">
-                <a:pos x="connsiteX114" y="connsiteY114"/>
-              </a:cxn>
-              <a:cxn ang="0">
-                <a:pos x="connsiteX115" y="connsiteY115"/>
-              </a:cxn>
-              <a:cxn ang="0">
-                <a:pos x="connsiteX116" y="connsiteY116"/>
-              </a:cxn>
-              <a:cxn ang="0">
-                <a:pos x="connsiteX117" y="connsiteY117"/>
-              </a:cxn>
-              <a:cxn ang="0">
-                <a:pos x="connsiteX118" y="connsiteY118"/>
-              </a:cxn>
-              <a:cxn ang="0">
-                <a:pos x="connsiteX119" y="connsiteY119"/>
-              </a:cxn>
-              <a:cxn ang="0">
-                <a:pos x="connsiteX120" y="connsiteY120"/>
-              </a:cxn>
-            </a:cxnLst>
-            <a:rect l="l" t="t" r="r" b="b"/>
-            <a:pathLst>
-              <a:path w="4158366" h="1267295">
                 <a:moveTo>
-                  <a:pt x="618577" y="182"/>
-                </a:moveTo>
-                <a:cubicBezTo>
-                  <a:pt x="536843" y="178"/>
-                  <a:pt x="455882" y="16006"/>
-                  <a:pt x="380165" y="46790"/>
-                </a:cubicBezTo>
-                <a:cubicBezTo>
-                  <a:pt x="306779" y="76439"/>
-                  <a:pt x="239736" y="119841"/>
-                  <a:pt x="182644" y="174659"/>
-                </a:cubicBezTo>
-                <a:cubicBezTo>
-                  <a:pt x="126076" y="229048"/>
-                  <a:pt x="80592" y="293882"/>
-                  <a:pt x="48711" y="365596"/>
-                </a:cubicBezTo>
-                <a:cubicBezTo>
-                  <a:pt x="15887" y="439909"/>
-                  <a:pt x="-711" y="520356"/>
-                  <a:pt x="23" y="601582"/>
-                </a:cubicBezTo>
-                <a:cubicBezTo>
-                  <a:pt x="-678" y="682531"/>
-                  <a:pt x="15922" y="762683"/>
-                  <a:pt x="48711" y="836702"/>
-                </a:cubicBezTo>
-                <a:cubicBezTo>
-                  <a:pt x="80720" y="908676"/>
-                  <a:pt x="126313" y="973806"/>
-                  <a:pt x="182990" y="1028505"/>
-                </a:cubicBezTo>
-                <a:cubicBezTo>
-                  <a:pt x="301460" y="1142149"/>
-                  <a:pt x="459612" y="1205062"/>
-                  <a:pt x="623775" y="1203849"/>
-                </a:cubicBezTo>
-                <a:cubicBezTo>
-                  <a:pt x="681529" y="1204022"/>
-                  <a:pt x="739044" y="1196433"/>
-                  <a:pt x="794787" y="1181324"/>
-                </a:cubicBezTo>
-                <a:cubicBezTo>
-                  <a:pt x="848707" y="1166597"/>
-                  <a:pt x="900442" y="1144818"/>
-                  <a:pt x="948645" y="1116524"/>
-                </a:cubicBezTo>
-                <a:lnTo>
-                  <a:pt x="1067678" y="1237462"/>
-                </a:lnTo>
-                <a:cubicBezTo>
-                  <a:pt x="1106607" y="1276880"/>
-                  <a:pt x="1170124" y="1277295"/>
-                  <a:pt x="1209549" y="1238363"/>
-                </a:cubicBezTo>
-                <a:cubicBezTo>
-                  <a:pt x="1209850" y="1238068"/>
-                  <a:pt x="1210150" y="1237756"/>
-                  <a:pt x="1210448" y="1237462"/>
-                </a:cubicBezTo>
-                <a:cubicBezTo>
-                  <a:pt x="1249320" y="1198287"/>
-                  <a:pt x="1249320" y="1135080"/>
-                  <a:pt x="1210448" y="1095905"/>
-                </a:cubicBezTo>
-                <a:lnTo>
-                  <a:pt x="1102331" y="987788"/>
-                </a:lnTo>
-                <a:cubicBezTo>
-                  <a:pt x="1147506" y="935202"/>
-                  <a:pt x="1183420" y="875322"/>
-                  <a:pt x="1208542" y="810712"/>
-                </a:cubicBezTo>
-                <a:cubicBezTo>
-                  <a:pt x="1234656" y="744040"/>
-                  <a:pt x="1247942" y="673019"/>
-                  <a:pt x="1247700" y="601409"/>
-                </a:cubicBezTo>
-                <a:cubicBezTo>
-                  <a:pt x="1248379" y="520165"/>
-                  <a:pt x="1231721" y="439718"/>
-                  <a:pt x="1198839" y="365423"/>
-                </a:cubicBezTo>
-                <a:cubicBezTo>
-                  <a:pt x="1166913" y="293657"/>
-                  <a:pt x="1121302" y="228800"/>
-                  <a:pt x="1064559" y="174485"/>
-                </a:cubicBezTo>
-                <a:cubicBezTo>
-                  <a:pt x="1007171" y="119753"/>
-                  <a:pt x="939906" y="76420"/>
-                  <a:pt x="866345" y="46790"/>
-                </a:cubicBezTo>
-                <a:cubicBezTo>
-                  <a:pt x="789448" y="15476"/>
-                  <a:pt x="707148" y="-418"/>
-                  <a:pt x="624121" y="8"/>
-                </a:cubicBezTo>
-                <a:cubicBezTo>
-                  <a:pt x="622332" y="0"/>
-                  <a:pt x="620540" y="0"/>
-                  <a:pt x="618750" y="8"/>
-                </a:cubicBezTo>
-                <a:close/>
-                <a:moveTo>
-                  <a:pt x="2577503" y="32235"/>
+                  <a:pt x="0" y="1639661"/>
                 </a:moveTo>
                 <a:lnTo>
-                  <a:pt x="2577503" y="289360"/>
+                  <a:pt x="1967593" y="1639661"/>
                 </a:lnTo>
-                <a:lnTo>
-                  <a:pt x="2444956" y="289360"/>
-                </a:lnTo>
-                <a:lnTo>
-                  <a:pt x="2444956" y="473540"/>
-                </a:lnTo>
-                <a:lnTo>
-                  <a:pt x="2577503" y="473540"/>
-                </a:lnTo>
-                <a:lnTo>
-                  <a:pt x="2577503" y="844672"/>
-                </a:lnTo>
-                <a:cubicBezTo>
-                  <a:pt x="2577503" y="917269"/>
-                  <a:pt x="2586686" y="976526"/>
-                  <a:pt x="2605052" y="1022787"/>
-                </a:cubicBezTo>
-                <a:cubicBezTo>
-                  <a:pt x="2620611" y="1064839"/>
-                  <a:pt x="2646410" y="1102350"/>
-                  <a:pt x="2680076" y="1131944"/>
-                </a:cubicBezTo>
-                <a:cubicBezTo>
-                  <a:pt x="2712268" y="1158921"/>
-                  <a:pt x="2750473" y="1177755"/>
-                  <a:pt x="2791484" y="1186869"/>
-                </a:cubicBezTo>
-                <a:cubicBezTo>
-                  <a:pt x="2830746" y="1197074"/>
-                  <a:pt x="2871169" y="1202081"/>
-                  <a:pt x="2911730" y="1201770"/>
-                </a:cubicBezTo>
-                <a:lnTo>
-                  <a:pt x="3059524" y="1201770"/>
-                </a:lnTo>
-                <a:lnTo>
-                  <a:pt x="3059524" y="1026253"/>
-                </a:lnTo>
-                <a:lnTo>
-                  <a:pt x="2932002" y="1026253"/>
-                </a:lnTo>
-                <a:cubicBezTo>
-                  <a:pt x="2911383" y="1026391"/>
-                  <a:pt x="2890851" y="1023602"/>
-                  <a:pt x="2871013" y="1017936"/>
-                </a:cubicBezTo>
-                <a:cubicBezTo>
-                  <a:pt x="2852110" y="1012340"/>
-                  <a:pt x="2834818" y="1002290"/>
-                  <a:pt x="2820593" y="988654"/>
-                </a:cubicBezTo>
-                <a:cubicBezTo>
-                  <a:pt x="2804739" y="972957"/>
-                  <a:pt x="2792870" y="953724"/>
-                  <a:pt x="2785940" y="932517"/>
-                </a:cubicBezTo>
-                <a:cubicBezTo>
-                  <a:pt x="2776670" y="903460"/>
-                  <a:pt x="2772339" y="873070"/>
-                  <a:pt x="2773118" y="842593"/>
-                </a:cubicBezTo>
-                <a:lnTo>
-                  <a:pt x="2773118" y="473540"/>
-                </a:lnTo>
-                <a:lnTo>
-                  <a:pt x="3061777" y="473540"/>
-                </a:lnTo>
-                <a:lnTo>
-                  <a:pt x="3061777" y="289360"/>
-                </a:lnTo>
-                <a:lnTo>
-                  <a:pt x="2774158" y="289360"/>
-                </a:lnTo>
-                <a:lnTo>
-                  <a:pt x="2774158" y="32235"/>
-                </a:lnTo>
-                <a:close/>
                 <a:moveTo>
-                  <a:pt x="1628708" y="89066"/>
-                </a:moveTo>
-                <a:cubicBezTo>
-                  <a:pt x="1562680" y="89066"/>
-                  <a:pt x="1509155" y="142591"/>
-                  <a:pt x="1509155" y="208618"/>
-                </a:cubicBezTo>
-                <a:cubicBezTo>
-                  <a:pt x="1509155" y="208676"/>
-                  <a:pt x="1509155" y="208735"/>
-                  <a:pt x="1509155" y="208792"/>
-                </a:cubicBezTo>
-                <a:cubicBezTo>
-                  <a:pt x="1509155" y="274819"/>
-                  <a:pt x="1562680" y="328344"/>
-                  <a:pt x="1628708" y="328344"/>
-                </a:cubicBezTo>
-                <a:cubicBezTo>
-                  <a:pt x="1694735" y="328448"/>
-                  <a:pt x="1748329" y="274993"/>
-                  <a:pt x="1748433" y="208965"/>
-                </a:cubicBezTo>
-                <a:cubicBezTo>
-                  <a:pt x="1748433" y="208908"/>
-                  <a:pt x="1748433" y="208849"/>
-                  <a:pt x="1748433" y="208792"/>
-                </a:cubicBezTo>
-                <a:cubicBezTo>
-                  <a:pt x="1748537" y="142764"/>
-                  <a:pt x="1695082" y="89162"/>
-                  <a:pt x="1629054" y="89066"/>
-                </a:cubicBezTo>
-                <a:cubicBezTo>
-                  <a:pt x="1628997" y="89066"/>
-                  <a:pt x="1628938" y="89066"/>
-                  <a:pt x="1628881" y="89066"/>
-                </a:cubicBezTo>
-                <a:close/>
-                <a:moveTo>
-                  <a:pt x="2108823" y="89066"/>
-                </a:moveTo>
-                <a:cubicBezTo>
-                  <a:pt x="2042792" y="89066"/>
-                  <a:pt x="1989271" y="142591"/>
-                  <a:pt x="1989271" y="208618"/>
-                </a:cubicBezTo>
-                <a:cubicBezTo>
-                  <a:pt x="1989271" y="208676"/>
-                  <a:pt x="1989271" y="208735"/>
-                  <a:pt x="1989271" y="208792"/>
-                </a:cubicBezTo>
-                <a:cubicBezTo>
-                  <a:pt x="1989271" y="274819"/>
-                  <a:pt x="2042792" y="328344"/>
-                  <a:pt x="2108823" y="328344"/>
-                </a:cubicBezTo>
-                <a:cubicBezTo>
-                  <a:pt x="2174854" y="328448"/>
-                  <a:pt x="2228445" y="274993"/>
-                  <a:pt x="2228549" y="208965"/>
-                </a:cubicBezTo>
-                <a:cubicBezTo>
-                  <a:pt x="2228549" y="208908"/>
-                  <a:pt x="2228549" y="208849"/>
-                  <a:pt x="2228549" y="208792"/>
-                </a:cubicBezTo>
-                <a:cubicBezTo>
-                  <a:pt x="2228653" y="142764"/>
-                  <a:pt x="2175201" y="89162"/>
-                  <a:pt x="2109170" y="89066"/>
-                </a:cubicBezTo>
-                <a:cubicBezTo>
-                  <a:pt x="2109118" y="89066"/>
-                  <a:pt x="2109048" y="89066"/>
-                  <a:pt x="2108996" y="89066"/>
-                </a:cubicBezTo>
-                <a:close/>
-                <a:moveTo>
-                  <a:pt x="618750" y="182282"/>
-                </a:moveTo>
-                <a:cubicBezTo>
-                  <a:pt x="620483" y="182272"/>
-                  <a:pt x="622215" y="182272"/>
-                  <a:pt x="623948" y="182282"/>
-                </a:cubicBezTo>
-                <a:cubicBezTo>
-                  <a:pt x="679304" y="182017"/>
-                  <a:pt x="734132" y="193042"/>
-                  <a:pt x="785084" y="214683"/>
-                </a:cubicBezTo>
-                <a:cubicBezTo>
-                  <a:pt x="884655" y="256571"/>
-                  <a:pt x="963458" y="336366"/>
-                  <a:pt x="1004090" y="436461"/>
-                </a:cubicBezTo>
-                <a:cubicBezTo>
-                  <a:pt x="1025774" y="489030"/>
-                  <a:pt x="1036729" y="545410"/>
-                  <a:pt x="1036317" y="602275"/>
-                </a:cubicBezTo>
-                <a:cubicBezTo>
-                  <a:pt x="1036820" y="659158"/>
-                  <a:pt x="1025859" y="715538"/>
-                  <a:pt x="1004090" y="768089"/>
-                </a:cubicBezTo>
-                <a:cubicBezTo>
-                  <a:pt x="983761" y="817660"/>
-                  <a:pt x="953984" y="862795"/>
-                  <a:pt x="916418" y="900983"/>
-                </a:cubicBezTo>
-                <a:cubicBezTo>
-                  <a:pt x="839080" y="978865"/>
-                  <a:pt x="733708" y="1022441"/>
-                  <a:pt x="623948" y="1021921"/>
-                </a:cubicBezTo>
-                <a:cubicBezTo>
-                  <a:pt x="568592" y="1022372"/>
-                  <a:pt x="513738" y="1011404"/>
-                  <a:pt x="462812" y="989694"/>
-                </a:cubicBezTo>
-                <a:cubicBezTo>
-                  <a:pt x="413888" y="968850"/>
-                  <a:pt x="369463" y="938720"/>
-                  <a:pt x="331998" y="900983"/>
-                </a:cubicBezTo>
-                <a:cubicBezTo>
-                  <a:pt x="253597" y="821489"/>
-                  <a:pt x="210025" y="714100"/>
-                  <a:pt x="210886" y="602448"/>
-                </a:cubicBezTo>
-                <a:cubicBezTo>
-                  <a:pt x="210089" y="490606"/>
-                  <a:pt x="253637" y="383009"/>
-                  <a:pt x="331998" y="303221"/>
-                </a:cubicBezTo>
-                <a:cubicBezTo>
-                  <a:pt x="369553" y="265550"/>
-                  <a:pt x="414030" y="235487"/>
-                  <a:pt x="462986" y="214683"/>
-                </a:cubicBezTo>
-                <a:cubicBezTo>
-                  <a:pt x="512182" y="193654"/>
-                  <a:pt x="565076" y="182639"/>
-                  <a:pt x="618577" y="182282"/>
-                </a:cubicBezTo>
-                <a:close/>
-                <a:moveTo>
-                  <a:pt x="3676518" y="316216"/>
-                </a:moveTo>
-                <a:cubicBezTo>
-                  <a:pt x="3615911" y="316216"/>
-                  <a:pt x="3555874" y="328050"/>
-                  <a:pt x="3499789" y="351042"/>
-                </a:cubicBezTo>
-                <a:cubicBezTo>
-                  <a:pt x="3446822" y="373202"/>
-                  <a:pt x="3398810" y="405724"/>
-                  <a:pt x="3358579" y="446684"/>
-                </a:cubicBezTo>
-                <a:cubicBezTo>
-                  <a:pt x="3319109" y="487124"/>
-                  <a:pt x="3288164" y="535083"/>
-                  <a:pt x="3267615" y="587721"/>
-                </a:cubicBezTo>
-                <a:cubicBezTo>
-                  <a:pt x="3245939" y="642784"/>
-                  <a:pt x="3235006" y="701469"/>
-                  <a:pt x="3235388" y="760639"/>
-                </a:cubicBezTo>
-                <a:cubicBezTo>
-                  <a:pt x="3234885" y="819756"/>
-                  <a:pt x="3245818" y="878424"/>
-                  <a:pt x="3267615" y="933383"/>
-                </a:cubicBezTo>
-                <a:cubicBezTo>
-                  <a:pt x="3288389" y="985899"/>
-                  <a:pt x="3319300" y="1033824"/>
-                  <a:pt x="3358579" y="1074420"/>
-                </a:cubicBezTo>
-                <a:cubicBezTo>
-                  <a:pt x="3398741" y="1115207"/>
-                  <a:pt x="3446787" y="1147399"/>
-                  <a:pt x="3499789" y="1169023"/>
-                </a:cubicBezTo>
-                <a:cubicBezTo>
-                  <a:pt x="3557988" y="1192794"/>
-                  <a:pt x="3620398" y="1204594"/>
-                  <a:pt x="3683276" y="1203675"/>
-                </a:cubicBezTo>
-                <a:cubicBezTo>
-                  <a:pt x="3713458" y="1203675"/>
-                  <a:pt x="3743554" y="1200435"/>
-                  <a:pt x="3773027" y="1193973"/>
-                </a:cubicBezTo>
-                <a:cubicBezTo>
-                  <a:pt x="3800333" y="1188099"/>
-                  <a:pt x="3827033" y="1179626"/>
-                  <a:pt x="3852728" y="1168676"/>
-                </a:cubicBezTo>
-                <a:cubicBezTo>
-                  <a:pt x="3876569" y="1158505"/>
-                  <a:pt x="3899423" y="1146152"/>
-                  <a:pt x="3920994" y="1131771"/>
-                </a:cubicBezTo>
-                <a:cubicBezTo>
-                  <a:pt x="3941301" y="1118291"/>
-                  <a:pt x="3960377" y="1103044"/>
-                  <a:pt x="3977998" y="1086202"/>
-                </a:cubicBezTo>
-                <a:lnTo>
-                  <a:pt x="3989261" y="1178032"/>
-                </a:lnTo>
-                <a:lnTo>
-                  <a:pt x="4158366" y="1178032"/>
-                </a:lnTo>
-                <a:lnTo>
-                  <a:pt x="4158366" y="341339"/>
-                </a:lnTo>
-                <a:lnTo>
-                  <a:pt x="3989261" y="341339"/>
-                </a:lnTo>
-                <a:lnTo>
-                  <a:pt x="3977478" y="433689"/>
-                </a:lnTo>
-                <a:cubicBezTo>
-                  <a:pt x="3960152" y="417160"/>
-                  <a:pt x="3941492" y="402085"/>
-                  <a:pt x="3921688" y="388640"/>
-                </a:cubicBezTo>
-                <a:cubicBezTo>
-                  <a:pt x="3900237" y="373861"/>
-                  <a:pt x="3877384" y="361264"/>
-                  <a:pt x="3853421" y="351042"/>
-                </a:cubicBezTo>
-                <a:cubicBezTo>
-                  <a:pt x="3827570" y="340213"/>
-                  <a:pt x="3800783" y="331792"/>
-                  <a:pt x="3773373" y="325918"/>
-                </a:cubicBezTo>
-                <a:cubicBezTo>
-                  <a:pt x="3743728" y="319404"/>
-                  <a:pt x="3713458" y="316146"/>
-                  <a:pt x="3683102" y="316216"/>
-                </a:cubicBezTo>
-                <a:cubicBezTo>
-                  <a:pt x="3680902" y="316198"/>
-                  <a:pt x="3678719" y="316198"/>
-                  <a:pt x="3676518" y="316216"/>
-                </a:cubicBezTo>
-                <a:close/>
-                <a:moveTo>
-                  <a:pt x="1532373" y="462451"/>
+                  <a:pt x="327932" y="0"/>
                 </a:moveTo>
                 <a:lnTo>
-                  <a:pt x="1532373" y="1179418"/>
+                  <a:pt x="327932" y="1967593"/>
                 </a:lnTo>
-                <a:lnTo>
-                  <a:pt x="1725216" y="1179418"/>
-                </a:lnTo>
-                <a:lnTo>
-                  <a:pt x="1725216" y="462278"/>
-                </a:lnTo>
-                <a:close/>
-                <a:moveTo>
-                  <a:pt x="2012315" y="462451"/>
-                </a:moveTo>
-                <a:lnTo>
-                  <a:pt x="2012315" y="1179418"/>
-                </a:lnTo>
-                <a:lnTo>
-                  <a:pt x="2205331" y="1179418"/>
-                </a:lnTo>
-                <a:lnTo>
-                  <a:pt x="2205331" y="462278"/>
-                </a:lnTo>
-                <a:close/>
-                <a:moveTo>
-                  <a:pt x="3696444" y="487574"/>
-                </a:moveTo>
-                <a:cubicBezTo>
-                  <a:pt x="3697830" y="487557"/>
-                  <a:pt x="3699216" y="487557"/>
-                  <a:pt x="3700602" y="487574"/>
-                </a:cubicBezTo>
-                <a:cubicBezTo>
-                  <a:pt x="3771692" y="487193"/>
-                  <a:pt x="3840063" y="514915"/>
-                  <a:pt x="3890846" y="564677"/>
-                </a:cubicBezTo>
-                <a:cubicBezTo>
-                  <a:pt x="3915710" y="589090"/>
-                  <a:pt x="3935393" y="618250"/>
-                  <a:pt x="3948717" y="650442"/>
-                </a:cubicBezTo>
-                <a:cubicBezTo>
-                  <a:pt x="3962976" y="685113"/>
-                  <a:pt x="3970115" y="722295"/>
-                  <a:pt x="3969682" y="759772"/>
-                </a:cubicBezTo>
-                <a:cubicBezTo>
-                  <a:pt x="3970219" y="797769"/>
-                  <a:pt x="3963080" y="835489"/>
-                  <a:pt x="3948717" y="870661"/>
-                </a:cubicBezTo>
-                <a:cubicBezTo>
-                  <a:pt x="3935375" y="902871"/>
-                  <a:pt x="3915900" y="932170"/>
-                  <a:pt x="3891366" y="956947"/>
-                </a:cubicBezTo>
-                <a:cubicBezTo>
-                  <a:pt x="3867126" y="981187"/>
-                  <a:pt x="3838261" y="1000280"/>
-                  <a:pt x="3806467" y="1013085"/>
-                </a:cubicBezTo>
-                <a:cubicBezTo>
-                  <a:pt x="3739292" y="1039629"/>
-                  <a:pt x="3664511" y="1039629"/>
-                  <a:pt x="3597337" y="1013085"/>
-                </a:cubicBezTo>
-                <a:cubicBezTo>
-                  <a:pt x="3565439" y="1000211"/>
-                  <a:pt x="3536400" y="981118"/>
-                  <a:pt x="3511917" y="956947"/>
-                </a:cubicBezTo>
-                <a:cubicBezTo>
-                  <a:pt x="3487106" y="932188"/>
-                  <a:pt x="3467492" y="902750"/>
-                  <a:pt x="3454221" y="870315"/>
-                </a:cubicBezTo>
-                <a:cubicBezTo>
-                  <a:pt x="3439874" y="835246"/>
-                  <a:pt x="3432684" y="797665"/>
-                  <a:pt x="3433082" y="759772"/>
-                </a:cubicBezTo>
-                <a:cubicBezTo>
-                  <a:pt x="3432545" y="721966"/>
-                  <a:pt x="3439614" y="684420"/>
-                  <a:pt x="3453874" y="649403"/>
-                </a:cubicBezTo>
-                <a:cubicBezTo>
-                  <a:pt x="3467007" y="617366"/>
-                  <a:pt x="3486326" y="588223"/>
-                  <a:pt x="3510704" y="563637"/>
-                </a:cubicBezTo>
-                <a:cubicBezTo>
-                  <a:pt x="3534962" y="539484"/>
-                  <a:pt x="3563845" y="520442"/>
-                  <a:pt x="3595604" y="507673"/>
-                </a:cubicBezTo>
-                <a:cubicBezTo>
-                  <a:pt x="3627606" y="494730"/>
-                  <a:pt x="3661756" y="487921"/>
-                  <a:pt x="3696271" y="487574"/>
-                </a:cubicBezTo>
-                <a:close/>
               </a:path>
             </a:pathLst>
           </a:custGeom>
@@ -5411,17 +3769,27 @@
               <a:lumMod val="95000"/>
             </a:schemeClr>
           </a:solidFill>
-          <a:ln w="173038" cap="flat">
-            <a:noFill/>
+          <a:ln w="218281" cap="rnd">
+            <a:solidFill>
+              <a:schemeClr val="bg1">
+                <a:lumMod val="95000"/>
+              </a:schemeClr>
+            </a:solidFill>
             <a:prstDash val="solid"/>
-            <a:miter/>
+            <a:round/>
           </a:ln>
         </p:spPr>
         <p:txBody>
           <a:bodyPr rtlCol="0" anchor="ctr"/>
           <a:lstStyle/>
           <a:p>
-            <a:endParaRPr lang="ja-JP" altLang="en-US" dirty="0"/>
+            <a:endParaRPr lang="ja-JP" altLang="en-US" dirty="0">
+              <a:ln>
+                <a:solidFill>
+                  <a:schemeClr val="bg1"/>
+                </a:solidFill>
+              </a:ln>
+            </a:endParaRPr>
           </a:p>
         </p:txBody>
       </p:sp>
@@ -5430,7 +3798,7 @@
           <p:cNvPr id="6" name="正方形/長方形 5">
             <a:extLst>
               <a:ext uri="{FF2B5EF4-FFF2-40B4-BE49-F238E27FC236}">
-                <a16:creationId xmlns:a16="http://schemas.microsoft.com/office/drawing/2014/main" id="{2CA5B8A4-2F91-11E9-2114-005F9C181A36}"/>
+                <a16:creationId xmlns:a16="http://schemas.microsoft.com/office/drawing/2014/main" id="{24DDD0E3-02BD-51A5-33B6-24FF366D14B9}"/>
               </a:ext>
             </a:extLst>
           </p:cNvPr>
@@ -5438,9 +3806,9 @@
           <p:nvPr/>
         </p:nvSpPr>
         <p:spPr>
-          <a:xfrm rot="10800000" flipH="1" flipV="1">
-            <a:off x="6047015" y="2649894"/>
-            <a:ext cx="2076062" cy="1633773"/>
+          <a:xfrm>
+            <a:off x="2600911" y="2833732"/>
+            <a:ext cx="3600000" cy="1608364"/>
           </a:xfrm>
           <a:prstGeom prst="rect">
             <a:avLst/>
@@ -5472,595 +3840,57 @@
           <a:p>
             <a:pPr algn="ctr"/>
             <a:r>
-              <a:rPr lang="ja-JP" altLang="en-US" sz="9600" b="1" dirty="0">
-                <a:solidFill>
-                  <a:schemeClr val="bg1"/>
-                </a:solidFill>
+              <a:rPr kumimoji="1" lang="en-US" altLang="ja-JP" sz="16600" dirty="0">
+                <a:latin typeface="Jumble" panose="02000503000000020004" pitchFamily="2" charset="0"/>
+                <a:cs typeface="Vrinda" panose="020B0502040204020203" pitchFamily="34" charset="0"/>
               </a:rPr>
-              <a:t>ノ</a:t>
-            </a:r>
-            <a:endParaRPr kumimoji="1" lang="ja-JP" altLang="en-US" sz="9600" b="1" dirty="0">
-              <a:solidFill>
-                <a:schemeClr val="bg1"/>
-              </a:solidFill>
+              <a:t>F</a:t>
+            </a:r>
+            <a:endParaRPr kumimoji="1" lang="ja-JP" altLang="en-US" sz="16600" dirty="0">
+              <a:latin typeface="Jumble" panose="02000503000000020004" pitchFamily="2" charset="0"/>
+              <a:cs typeface="Vrinda" panose="020B0502040204020203" pitchFamily="34" charset="0"/>
             </a:endParaRPr>
           </a:p>
         </p:txBody>
       </p:sp>
-      <p:sp>
-        <p:nvSpPr>
-          <p:cNvPr id="7" name="フリーフォーム: 図形 6">
-            <a:extLst>
-              <a:ext uri="{FF2B5EF4-FFF2-40B4-BE49-F238E27FC236}">
-                <a16:creationId xmlns:a16="http://schemas.microsoft.com/office/drawing/2014/main" id="{4C378CAA-FD58-1426-9013-00B3B44FF273}"/>
-              </a:ext>
-            </a:extLst>
-          </p:cNvPr>
-          <p:cNvSpPr/>
-          <p:nvPr/>
-        </p:nvSpPr>
-        <p:spPr>
-          <a:xfrm rot="1800000">
-            <a:off x="9971763" y="1464192"/>
-            <a:ext cx="493094" cy="500830"/>
-          </a:xfrm>
-          <a:custGeom>
-            <a:avLst/>
-            <a:gdLst>
-              <a:gd name="connsiteX0" fmla="*/ 341675 w 689185"/>
-              <a:gd name="connsiteY0" fmla="*/ 100685 h 699998"/>
-              <a:gd name="connsiteX1" fmla="*/ 255733 w 689185"/>
-              <a:gd name="connsiteY1" fmla="*/ 118581 h 699998"/>
-              <a:gd name="connsiteX2" fmla="*/ 183381 w 689185"/>
-              <a:gd name="connsiteY2" fmla="*/ 167486 h 699998"/>
-              <a:gd name="connsiteX3" fmla="*/ 116484 w 689185"/>
-              <a:gd name="connsiteY3" fmla="*/ 332766 h 699998"/>
-              <a:gd name="connsiteX4" fmla="*/ 183381 w 689185"/>
-              <a:gd name="connsiteY4" fmla="*/ 497663 h 699998"/>
-              <a:gd name="connsiteX5" fmla="*/ 255637 w 689185"/>
-              <a:gd name="connsiteY5" fmla="*/ 546664 h 699998"/>
-              <a:gd name="connsiteX6" fmla="*/ 344642 w 689185"/>
-              <a:gd name="connsiteY6" fmla="*/ 564464 h 699998"/>
-              <a:gd name="connsiteX7" fmla="*/ 506189 w 689185"/>
-              <a:gd name="connsiteY7" fmla="*/ 497663 h 699998"/>
-              <a:gd name="connsiteX8" fmla="*/ 554615 w 689185"/>
-              <a:gd name="connsiteY8" fmla="*/ 424259 h 699998"/>
-              <a:gd name="connsiteX9" fmla="*/ 572416 w 689185"/>
-              <a:gd name="connsiteY9" fmla="*/ 332670 h 699998"/>
-              <a:gd name="connsiteX10" fmla="*/ 554615 w 689185"/>
-              <a:gd name="connsiteY10" fmla="*/ 241082 h 699998"/>
-              <a:gd name="connsiteX11" fmla="*/ 433646 w 689185"/>
-              <a:gd name="connsiteY11" fmla="*/ 118581 h 699998"/>
-              <a:gd name="connsiteX12" fmla="*/ 344642 w 689185"/>
-              <a:gd name="connsiteY12" fmla="*/ 100685 h 699998"/>
-              <a:gd name="connsiteX13" fmla="*/ 341770 w 689185"/>
-              <a:gd name="connsiteY13" fmla="*/ 100685 h 699998"/>
-              <a:gd name="connsiteX14" fmla="*/ 341770 w 689185"/>
-              <a:gd name="connsiteY14" fmla="*/ 5 h 699998"/>
-              <a:gd name="connsiteX15" fmla="*/ 344737 w 689185"/>
-              <a:gd name="connsiteY15" fmla="*/ 5 h 699998"/>
-              <a:gd name="connsiteX16" fmla="*/ 478531 w 689185"/>
-              <a:gd name="connsiteY16" fmla="*/ 25845 h 699998"/>
-              <a:gd name="connsiteX17" fmla="*/ 588016 w 689185"/>
-              <a:gd name="connsiteY17" fmla="*/ 96378 h 699998"/>
-              <a:gd name="connsiteX18" fmla="*/ 662186 w 689185"/>
-              <a:gd name="connsiteY18" fmla="*/ 201843 h 699998"/>
-              <a:gd name="connsiteX19" fmla="*/ 689174 w 689185"/>
-              <a:gd name="connsiteY19" fmla="*/ 332192 h 699998"/>
-              <a:gd name="connsiteX20" fmla="*/ 667545 w 689185"/>
-              <a:gd name="connsiteY20" fmla="*/ 447802 h 699998"/>
-              <a:gd name="connsiteX21" fmla="*/ 608879 w 689185"/>
-              <a:gd name="connsiteY21" fmla="*/ 545611 h 699998"/>
-              <a:gd name="connsiteX22" fmla="*/ 668598 w 689185"/>
-              <a:gd name="connsiteY22" fmla="*/ 605330 h 699998"/>
-              <a:gd name="connsiteX23" fmla="*/ 668598 w 689185"/>
-              <a:gd name="connsiteY23" fmla="*/ 683520 h 699998"/>
-              <a:gd name="connsiteX24" fmla="*/ 668101 w 689185"/>
-              <a:gd name="connsiteY24" fmla="*/ 684017 h 699998"/>
-              <a:gd name="connsiteX25" fmla="*/ 589738 w 689185"/>
-              <a:gd name="connsiteY25" fmla="*/ 683520 h 699998"/>
-              <a:gd name="connsiteX26" fmla="*/ 523990 w 689185"/>
-              <a:gd name="connsiteY26" fmla="*/ 616719 h 699998"/>
-              <a:gd name="connsiteX27" fmla="*/ 439005 w 689185"/>
-              <a:gd name="connsiteY27" fmla="*/ 652512 h 699998"/>
-              <a:gd name="connsiteX28" fmla="*/ 344546 w 689185"/>
-              <a:gd name="connsiteY28" fmla="*/ 664953 h 699998"/>
-              <a:gd name="connsiteX29" fmla="*/ 101076 w 689185"/>
-              <a:gd name="connsiteY29" fmla="*/ 568101 h 699998"/>
-              <a:gd name="connsiteX30" fmla="*/ 26906 w 689185"/>
-              <a:gd name="connsiteY30" fmla="*/ 462157 h 699998"/>
-              <a:gd name="connsiteX31" fmla="*/ 13 w 689185"/>
-              <a:gd name="connsiteY31" fmla="*/ 332287 h 699998"/>
-              <a:gd name="connsiteX32" fmla="*/ 26906 w 689185"/>
-              <a:gd name="connsiteY32" fmla="*/ 201939 h 699998"/>
-              <a:gd name="connsiteX33" fmla="*/ 100884 w 689185"/>
-              <a:gd name="connsiteY33" fmla="*/ 96474 h 699998"/>
-              <a:gd name="connsiteX34" fmla="*/ 209987 w 689185"/>
-              <a:gd name="connsiteY34" fmla="*/ 25845 h 699998"/>
-              <a:gd name="connsiteX35" fmla="*/ 341675 w 689185"/>
-              <a:gd name="connsiteY35" fmla="*/ 100 h 699998"/>
-            </a:gdLst>
-            <a:ahLst/>
-            <a:cxnLst>
-              <a:cxn ang="0">
-                <a:pos x="connsiteX0" y="connsiteY0"/>
-              </a:cxn>
-              <a:cxn ang="0">
-                <a:pos x="connsiteX1" y="connsiteY1"/>
-              </a:cxn>
-              <a:cxn ang="0">
-                <a:pos x="connsiteX2" y="connsiteY2"/>
-              </a:cxn>
-              <a:cxn ang="0">
-                <a:pos x="connsiteX3" y="connsiteY3"/>
-              </a:cxn>
-              <a:cxn ang="0">
-                <a:pos x="connsiteX4" y="connsiteY4"/>
-              </a:cxn>
-              <a:cxn ang="0">
-                <a:pos x="connsiteX5" y="connsiteY5"/>
-              </a:cxn>
-              <a:cxn ang="0">
-                <a:pos x="connsiteX6" y="connsiteY6"/>
-              </a:cxn>
-              <a:cxn ang="0">
-                <a:pos x="connsiteX7" y="connsiteY7"/>
-              </a:cxn>
-              <a:cxn ang="0">
-                <a:pos x="connsiteX8" y="connsiteY8"/>
-              </a:cxn>
-              <a:cxn ang="0">
-                <a:pos x="connsiteX9" y="connsiteY9"/>
-              </a:cxn>
-              <a:cxn ang="0">
-                <a:pos x="connsiteX10" y="connsiteY10"/>
-              </a:cxn>
-              <a:cxn ang="0">
-                <a:pos x="connsiteX11" y="connsiteY11"/>
-              </a:cxn>
-              <a:cxn ang="0">
-                <a:pos x="connsiteX12" y="connsiteY12"/>
-              </a:cxn>
-              <a:cxn ang="0">
-                <a:pos x="connsiteX13" y="connsiteY13"/>
-              </a:cxn>
-              <a:cxn ang="0">
-                <a:pos x="connsiteX14" y="connsiteY14"/>
-              </a:cxn>
-              <a:cxn ang="0">
-                <a:pos x="connsiteX15" y="connsiteY15"/>
-              </a:cxn>
-              <a:cxn ang="0">
-                <a:pos x="connsiteX16" y="connsiteY16"/>
-              </a:cxn>
-              <a:cxn ang="0">
-                <a:pos x="connsiteX17" y="connsiteY17"/>
-              </a:cxn>
-              <a:cxn ang="0">
-                <a:pos x="connsiteX18" y="connsiteY18"/>
-              </a:cxn>
-              <a:cxn ang="0">
-                <a:pos x="connsiteX19" y="connsiteY19"/>
-              </a:cxn>
-              <a:cxn ang="0">
-                <a:pos x="connsiteX20" y="connsiteY20"/>
-              </a:cxn>
-              <a:cxn ang="0">
-                <a:pos x="connsiteX21" y="connsiteY21"/>
-              </a:cxn>
-              <a:cxn ang="0">
-                <a:pos x="connsiteX22" y="connsiteY22"/>
-              </a:cxn>
-              <a:cxn ang="0">
-                <a:pos x="connsiteX23" y="connsiteY23"/>
-              </a:cxn>
-              <a:cxn ang="0">
-                <a:pos x="connsiteX24" y="connsiteY24"/>
-              </a:cxn>
-              <a:cxn ang="0">
-                <a:pos x="connsiteX25" y="connsiteY25"/>
-              </a:cxn>
-              <a:cxn ang="0">
-                <a:pos x="connsiteX26" y="connsiteY26"/>
-              </a:cxn>
-              <a:cxn ang="0">
-                <a:pos x="connsiteX27" y="connsiteY27"/>
-              </a:cxn>
-              <a:cxn ang="0">
-                <a:pos x="connsiteX28" y="connsiteY28"/>
-              </a:cxn>
-              <a:cxn ang="0">
-                <a:pos x="connsiteX29" y="connsiteY29"/>
-              </a:cxn>
-              <a:cxn ang="0">
-                <a:pos x="connsiteX30" y="connsiteY30"/>
-              </a:cxn>
-              <a:cxn ang="0">
-                <a:pos x="connsiteX31" y="connsiteY31"/>
-              </a:cxn>
-              <a:cxn ang="0">
-                <a:pos x="connsiteX32" y="connsiteY32"/>
-              </a:cxn>
-              <a:cxn ang="0">
-                <a:pos x="connsiteX33" y="connsiteY33"/>
-              </a:cxn>
-              <a:cxn ang="0">
-                <a:pos x="connsiteX34" y="connsiteY34"/>
-              </a:cxn>
-              <a:cxn ang="0">
-                <a:pos x="connsiteX35" y="connsiteY35"/>
-              </a:cxn>
-            </a:cxnLst>
-            <a:rect l="l" t="t" r="r" b="b"/>
-            <a:pathLst>
-              <a:path w="689185" h="699998">
-                <a:moveTo>
-                  <a:pt x="341675" y="100685"/>
-                </a:moveTo>
-                <a:cubicBezTo>
-                  <a:pt x="312123" y="100882"/>
-                  <a:pt x="282907" y="106966"/>
-                  <a:pt x="255733" y="118581"/>
-                </a:cubicBezTo>
-                <a:cubicBezTo>
-                  <a:pt x="228692" y="130072"/>
-                  <a:pt x="204125" y="146678"/>
-                  <a:pt x="183381" y="167486"/>
-                </a:cubicBezTo>
-                <a:cubicBezTo>
-                  <a:pt x="140098" y="211557"/>
-                  <a:pt x="116044" y="270989"/>
-                  <a:pt x="116484" y="332766"/>
-                </a:cubicBezTo>
-                <a:cubicBezTo>
-                  <a:pt x="116009" y="394437"/>
-                  <a:pt x="140076" y="453755"/>
-                  <a:pt x="183381" y="497663"/>
-                </a:cubicBezTo>
-                <a:cubicBezTo>
-                  <a:pt x="204075" y="518507"/>
-                  <a:pt x="228613" y="535150"/>
-                  <a:pt x="255637" y="546664"/>
-                </a:cubicBezTo>
-                <a:cubicBezTo>
-                  <a:pt x="283766" y="558655"/>
-                  <a:pt x="314065" y="564713"/>
-                  <a:pt x="344642" y="564464"/>
-                </a:cubicBezTo>
-                <a:cubicBezTo>
-                  <a:pt x="405268" y="564751"/>
-                  <a:pt x="463471" y="540682"/>
-                  <a:pt x="506189" y="497663"/>
-                </a:cubicBezTo>
-                <a:cubicBezTo>
-                  <a:pt x="526939" y="476570"/>
-                  <a:pt x="543386" y="451639"/>
-                  <a:pt x="554615" y="424259"/>
-                </a:cubicBezTo>
-                <a:cubicBezTo>
-                  <a:pt x="566639" y="395232"/>
-                  <a:pt x="572694" y="364090"/>
-                  <a:pt x="572416" y="332670"/>
-                </a:cubicBezTo>
-                <a:cubicBezTo>
-                  <a:pt x="572644" y="301260"/>
-                  <a:pt x="566592" y="270118"/>
-                  <a:pt x="554615" y="241082"/>
-                </a:cubicBezTo>
-                <a:cubicBezTo>
-                  <a:pt x="532172" y="185794"/>
-                  <a:pt x="488645" y="141719"/>
-                  <a:pt x="433646" y="118581"/>
-                </a:cubicBezTo>
-                <a:cubicBezTo>
-                  <a:pt x="405502" y="106628"/>
-                  <a:pt x="375218" y="100538"/>
-                  <a:pt x="344642" y="100685"/>
-                </a:cubicBezTo>
-                <a:cubicBezTo>
-                  <a:pt x="343684" y="100679"/>
-                  <a:pt x="342727" y="100679"/>
-                  <a:pt x="341770" y="100685"/>
-                </a:cubicBezTo>
-                <a:close/>
-                <a:moveTo>
-                  <a:pt x="341770" y="5"/>
-                </a:moveTo>
-                <a:cubicBezTo>
-                  <a:pt x="342759" y="0"/>
-                  <a:pt x="343749" y="0"/>
-                  <a:pt x="344737" y="5"/>
-                </a:cubicBezTo>
-                <a:cubicBezTo>
-                  <a:pt x="390597" y="-231"/>
-                  <a:pt x="436057" y="8548"/>
-                  <a:pt x="478531" y="25845"/>
-                </a:cubicBezTo>
-                <a:cubicBezTo>
-                  <a:pt x="519163" y="42211"/>
-                  <a:pt x="556317" y="66146"/>
-                  <a:pt x="588016" y="96378"/>
-                </a:cubicBezTo>
-                <a:cubicBezTo>
-                  <a:pt x="619358" y="126379"/>
-                  <a:pt x="644552" y="162203"/>
-                  <a:pt x="662186" y="201843"/>
-                </a:cubicBezTo>
-                <a:cubicBezTo>
-                  <a:pt x="680349" y="242881"/>
-                  <a:pt x="689550" y="287316"/>
-                  <a:pt x="689174" y="332192"/>
-                </a:cubicBezTo>
-                <a:cubicBezTo>
-                  <a:pt x="689308" y="371746"/>
-                  <a:pt x="681970" y="410975"/>
-                  <a:pt x="667545" y="447802"/>
-                </a:cubicBezTo>
-                <a:cubicBezTo>
-                  <a:pt x="653669" y="483490"/>
-                  <a:pt x="633832" y="516565"/>
-                  <a:pt x="608879" y="545611"/>
-                </a:cubicBezTo>
-                <a:lnTo>
-                  <a:pt x="668598" y="605330"/>
-                </a:lnTo>
-                <a:cubicBezTo>
-                  <a:pt x="690069" y="626968"/>
-                  <a:pt x="690069" y="661881"/>
-                  <a:pt x="668598" y="683520"/>
-                </a:cubicBezTo>
-                <a:cubicBezTo>
-                  <a:pt x="668434" y="683682"/>
-                  <a:pt x="668268" y="683855"/>
-                  <a:pt x="668101" y="684017"/>
-                </a:cubicBezTo>
-                <a:cubicBezTo>
-                  <a:pt x="646325" y="705522"/>
-                  <a:pt x="611241" y="705292"/>
-                  <a:pt x="589738" y="683520"/>
-                </a:cubicBezTo>
-                <a:lnTo>
-                  <a:pt x="523990" y="616719"/>
-                </a:lnTo>
-                <a:cubicBezTo>
-                  <a:pt x="497364" y="632347"/>
-                  <a:pt x="468788" y="644377"/>
-                  <a:pt x="439005" y="652512"/>
-                </a:cubicBezTo>
-                <a:cubicBezTo>
-                  <a:pt x="408215" y="660857"/>
-                  <a:pt x="376447" y="665049"/>
-                  <a:pt x="344546" y="664953"/>
-                </a:cubicBezTo>
-                <a:cubicBezTo>
-                  <a:pt x="253870" y="665623"/>
-                  <a:pt x="166513" y="630873"/>
-                  <a:pt x="101076" y="568101"/>
-                </a:cubicBezTo>
-                <a:cubicBezTo>
-                  <a:pt x="69770" y="537888"/>
-                  <a:pt x="44586" y="501913"/>
-                  <a:pt x="26906" y="462157"/>
-                </a:cubicBezTo>
-                <a:cubicBezTo>
-                  <a:pt x="8794" y="421273"/>
-                  <a:pt x="-374" y="377000"/>
-                  <a:pt x="13" y="332287"/>
-                </a:cubicBezTo>
-                <a:cubicBezTo>
-                  <a:pt x="-393" y="287422"/>
-                  <a:pt x="8776" y="242986"/>
-                  <a:pt x="26906" y="201939"/>
-                </a:cubicBezTo>
-                <a:cubicBezTo>
-                  <a:pt x="44515" y="162327"/>
-                  <a:pt x="69639" y="126516"/>
-                  <a:pt x="100884" y="96474"/>
-                </a:cubicBezTo>
-                <a:cubicBezTo>
-                  <a:pt x="132420" y="66195"/>
-                  <a:pt x="169451" y="42221"/>
-                  <a:pt x="209987" y="25845"/>
-                </a:cubicBezTo>
-                <a:cubicBezTo>
-                  <a:pt x="251809" y="8841"/>
-                  <a:pt x="296528" y="98"/>
-                  <a:pt x="341675" y="100"/>
-                </a:cubicBezTo>
-                <a:close/>
-              </a:path>
-            </a:pathLst>
-          </a:custGeom>
-          <a:solidFill>
-            <a:schemeClr val="bg1"/>
-          </a:solidFill>
-          <a:ln w="95647" cap="flat">
-            <a:noFill/>
-            <a:prstDash val="solid"/>
-            <a:miter/>
-          </a:ln>
-        </p:spPr>
-        <p:txBody>
-          <a:bodyPr wrap="square" rtlCol="0" anchor="ctr">
-            <a:noAutofit/>
-          </a:bodyPr>
-          <a:lstStyle/>
-          <a:p>
-            <a:endParaRPr lang="ja-JP" altLang="en-US" dirty="0"/>
-          </a:p>
-        </p:txBody>
-      </p:sp>
-      <p:sp>
-        <p:nvSpPr>
-          <p:cNvPr id="8" name="グラフィックス 17">
-            <a:extLst>
-              <a:ext uri="{FF2B5EF4-FFF2-40B4-BE49-F238E27FC236}">
-                <a16:creationId xmlns:a16="http://schemas.microsoft.com/office/drawing/2014/main" id="{CD0718C8-846B-63B1-DD7A-EB4C834E6F9C}"/>
-              </a:ext>
-            </a:extLst>
-          </p:cNvPr>
-          <p:cNvSpPr>
-            <a:spLocks/>
-          </p:cNvSpPr>
-          <p:nvPr/>
-        </p:nvSpPr>
-        <p:spPr>
-          <a:xfrm rot="1800000">
-            <a:off x="9674690" y="1120315"/>
-            <a:ext cx="1080000" cy="1080000"/>
-          </a:xfrm>
-          <a:custGeom>
-            <a:avLst/>
-            <a:gdLst>
-              <a:gd name="connsiteX0" fmla="*/ 97518 w 975178"/>
-              <a:gd name="connsiteY0" fmla="*/ 877661 h 877660"/>
-              <a:gd name="connsiteX1" fmla="*/ 877661 w 975178"/>
-              <a:gd name="connsiteY1" fmla="*/ 877661 h 877660"/>
-              <a:gd name="connsiteX2" fmla="*/ 975178 w 975178"/>
-              <a:gd name="connsiteY2" fmla="*/ 780143 h 877660"/>
-              <a:gd name="connsiteX3" fmla="*/ 975178 w 975178"/>
-              <a:gd name="connsiteY3" fmla="*/ 97518 h 877660"/>
-              <a:gd name="connsiteX4" fmla="*/ 877661 w 975178"/>
-              <a:gd name="connsiteY4" fmla="*/ 0 h 877660"/>
-              <a:gd name="connsiteX5" fmla="*/ 97518 w 975178"/>
-              <a:gd name="connsiteY5" fmla="*/ 0 h 877660"/>
-              <a:gd name="connsiteX6" fmla="*/ 0 w 975178"/>
-              <a:gd name="connsiteY6" fmla="*/ 97518 h 877660"/>
-              <a:gd name="connsiteX7" fmla="*/ 0 w 975178"/>
-              <a:gd name="connsiteY7" fmla="*/ 780143 h 877660"/>
-              <a:gd name="connsiteX8" fmla="*/ 97518 w 975178"/>
-              <a:gd name="connsiteY8" fmla="*/ 877661 h 877660"/>
-              <a:gd name="connsiteX9" fmla="*/ 97518 w 975178"/>
-              <a:gd name="connsiteY9" fmla="*/ 780143 h 877660"/>
-              <a:gd name="connsiteX10" fmla="*/ 97518 w 975178"/>
-              <a:gd name="connsiteY10" fmla="*/ 195036 h 877660"/>
-              <a:gd name="connsiteX11" fmla="*/ 877661 w 975178"/>
-              <a:gd name="connsiteY11" fmla="*/ 195036 h 877660"/>
-              <a:gd name="connsiteX12" fmla="*/ 877709 w 975178"/>
-              <a:gd name="connsiteY12" fmla="*/ 780143 h 877660"/>
-              <a:gd name="connsiteX13" fmla="*/ 97518 w 975178"/>
-              <a:gd name="connsiteY13" fmla="*/ 780143 h 877660"/>
-            </a:gdLst>
-            <a:ahLst/>
-            <a:cxnLst>
-              <a:cxn ang="0">
-                <a:pos x="connsiteX0" y="connsiteY0"/>
-              </a:cxn>
-              <a:cxn ang="0">
-                <a:pos x="connsiteX1" y="connsiteY1"/>
-              </a:cxn>
-              <a:cxn ang="0">
-                <a:pos x="connsiteX2" y="connsiteY2"/>
-              </a:cxn>
-              <a:cxn ang="0">
-                <a:pos x="connsiteX3" y="connsiteY3"/>
-              </a:cxn>
-              <a:cxn ang="0">
-                <a:pos x="connsiteX4" y="connsiteY4"/>
-              </a:cxn>
-              <a:cxn ang="0">
-                <a:pos x="connsiteX5" y="connsiteY5"/>
-              </a:cxn>
-              <a:cxn ang="0">
-                <a:pos x="connsiteX6" y="connsiteY6"/>
-              </a:cxn>
-              <a:cxn ang="0">
-                <a:pos x="connsiteX7" y="connsiteY7"/>
-              </a:cxn>
-              <a:cxn ang="0">
-                <a:pos x="connsiteX8" y="connsiteY8"/>
-              </a:cxn>
-              <a:cxn ang="0">
-                <a:pos x="connsiteX9" y="connsiteY9"/>
-              </a:cxn>
-              <a:cxn ang="0">
-                <a:pos x="connsiteX10" y="connsiteY10"/>
-              </a:cxn>
-              <a:cxn ang="0">
-                <a:pos x="connsiteX11" y="connsiteY11"/>
-              </a:cxn>
-              <a:cxn ang="0">
-                <a:pos x="connsiteX12" y="connsiteY12"/>
-              </a:cxn>
-              <a:cxn ang="0">
-                <a:pos x="connsiteX13" y="connsiteY13"/>
-              </a:cxn>
-            </a:cxnLst>
-            <a:rect l="l" t="t" r="r" b="b"/>
-            <a:pathLst>
-              <a:path w="975178" h="877660">
-                <a:moveTo>
-                  <a:pt x="97518" y="877661"/>
-                </a:moveTo>
-                <a:lnTo>
-                  <a:pt x="877661" y="877661"/>
-                </a:lnTo>
-                <a:cubicBezTo>
-                  <a:pt x="931442" y="877661"/>
-                  <a:pt x="975178" y="833924"/>
-                  <a:pt x="975178" y="780143"/>
-                </a:cubicBezTo>
-                <a:lnTo>
-                  <a:pt x="975178" y="97518"/>
-                </a:lnTo>
-                <a:cubicBezTo>
-                  <a:pt x="975178" y="43737"/>
-                  <a:pt x="931442" y="0"/>
-                  <a:pt x="877661" y="0"/>
-                </a:cubicBezTo>
-                <a:lnTo>
-                  <a:pt x="97518" y="0"/>
-                </a:lnTo>
-                <a:cubicBezTo>
-                  <a:pt x="43737" y="0"/>
-                  <a:pt x="0" y="43737"/>
-                  <a:pt x="0" y="97518"/>
-                </a:cubicBezTo>
-                <a:lnTo>
-                  <a:pt x="0" y="780143"/>
-                </a:lnTo>
-                <a:cubicBezTo>
-                  <a:pt x="0" y="833924"/>
-                  <a:pt x="43737" y="877661"/>
-                  <a:pt x="97518" y="877661"/>
-                </a:cubicBezTo>
-                <a:close/>
-                <a:moveTo>
-                  <a:pt x="97518" y="780143"/>
-                </a:moveTo>
-                <a:lnTo>
-                  <a:pt x="97518" y="195036"/>
-                </a:lnTo>
-                <a:lnTo>
-                  <a:pt x="877661" y="195036"/>
-                </a:lnTo>
-                <a:lnTo>
-                  <a:pt x="877709" y="780143"/>
-                </a:lnTo>
-                <a:lnTo>
-                  <a:pt x="97518" y="780143"/>
-                </a:lnTo>
-                <a:close/>
-              </a:path>
-            </a:pathLst>
-          </a:custGeom>
-          <a:solidFill>
-            <a:schemeClr val="bg1"/>
-          </a:solidFill>
-          <a:ln w="48419" cap="flat">
-            <a:noFill/>
-            <a:prstDash val="solid"/>
-            <a:miter/>
-          </a:ln>
-        </p:spPr>
-        <p:txBody>
-          <a:bodyPr rtlCol="0" anchor="ctr"/>
-          <a:lstStyle/>
-          <a:p>
-            <a:endParaRPr lang="ja-JP" altLang="en-US" dirty="0"/>
-          </a:p>
-        </p:txBody>
-      </p:sp>
+    </p:spTree>
+    <p:extLst>
+      <p:ext uri="{BB962C8B-B14F-4D97-AF65-F5344CB8AC3E}">
+        <p14:creationId xmlns:p14="http://schemas.microsoft.com/office/powerpoint/2010/main" val="3738093856"/>
+      </p:ext>
+    </p:extLst>
+  </p:cSld>
+  <p:clrMapOvr>
+    <a:masterClrMapping/>
+  </p:clrMapOvr>
+</p:sld>
+</file>
+
+<file path=ppt/slides/slide2.xml><?xml version="1.0" encoding="utf-8"?>
+<p:sld xmlns:a="http://schemas.openxmlformats.org/drawingml/2006/main" xmlns:r="http://schemas.openxmlformats.org/officeDocument/2006/relationships" xmlns:p="http://schemas.openxmlformats.org/presentationml/2006/main">
+  <p:cSld>
+    <p:bg>
+      <p:bgPr>
+        <a:solidFill>
+          <a:srgbClr val="0D6EFD"/>
+        </a:solidFill>
+        <a:effectLst/>
+      </p:bgPr>
+    </p:bg>
+    <p:spTree>
+      <p:nvGrpSpPr>
+        <p:cNvPr id="1" name=""/>
+        <p:cNvGrpSpPr/>
+        <p:nvPr/>
+      </p:nvGrpSpPr>
+      <p:grpSpPr>
+        <a:xfrm>
+          <a:off x="0" y="0"/>
+          <a:ext cx="0" cy="0"/>
+          <a:chOff x="0" y="0"/>
+          <a:chExt cx="0" cy="0"/>
+        </a:xfrm>
+      </p:grpSpPr>
       <p:cxnSp>
         <p:nvCxnSpPr>
           <p:cNvPr id="10" name="直線コネクタ 9">
@@ -6106,10 +3936,10 @@
       </p:cxnSp>
       <p:sp>
         <p:nvSpPr>
-          <p:cNvPr id="16" name="正方形/長方形 15">
-            <a:extLst>
-              <a:ext uri="{FF2B5EF4-FFF2-40B4-BE49-F238E27FC236}">
-                <a16:creationId xmlns:a16="http://schemas.microsoft.com/office/drawing/2014/main" id="{00CFE6E5-4C1C-1910-3DDB-918569E593A5}"/>
+          <p:cNvPr id="2" name="正方形/長方形 1">
+            <a:extLst>
+              <a:ext uri="{FF2B5EF4-FFF2-40B4-BE49-F238E27FC236}">
+                <a16:creationId xmlns:a16="http://schemas.microsoft.com/office/drawing/2014/main" id="{D98B31AB-0018-1927-7980-D9E9EFC34B8F}"/>
               </a:ext>
             </a:extLst>
           </p:cNvPr>
@@ -6118,8 +3948,8 @@
         </p:nvSpPr>
         <p:spPr>
           <a:xfrm rot="10800000" flipH="1" flipV="1">
-            <a:off x="7193948" y="2169367"/>
-            <a:ext cx="1357605" cy="961053"/>
+            <a:off x="1789146" y="2770597"/>
+            <a:ext cx="8248261" cy="1316806"/>
           </a:xfrm>
           <a:prstGeom prst="rect">
             <a:avLst/>
@@ -6151,14 +3981,14 @@
           <a:p>
             <a:pPr algn="ctr"/>
             <a:r>
-              <a:rPr lang="ja-JP" altLang="en-US" sz="16600" b="1" dirty="0">
+              <a:rPr kumimoji="1" lang="en-US" altLang="ja-JP" sz="8800" b="1" dirty="0">
                 <a:solidFill>
                   <a:schemeClr val="bg1"/>
                 </a:solidFill>
               </a:rPr>
-              <a:t>マ</a:t>
-            </a:r>
-            <a:endParaRPr kumimoji="1" lang="ja-JP" altLang="en-US" sz="16600" b="1" dirty="0">
+              <a:t>Quick Framer</a:t>
+            </a:r>
+            <a:endParaRPr kumimoji="1" lang="ja-JP" altLang="en-US" sz="8800" b="1" dirty="0">
               <a:solidFill>
                 <a:schemeClr val="bg1"/>
               </a:solidFill>
@@ -6166,68 +3996,36 @@
           </a:p>
         </p:txBody>
       </p:sp>
-      <p:sp>
-        <p:nvSpPr>
-          <p:cNvPr id="17" name="正方形/長方形 16">
-            <a:extLst>
-              <a:ext uri="{FF2B5EF4-FFF2-40B4-BE49-F238E27FC236}">
-                <a16:creationId xmlns:a16="http://schemas.microsoft.com/office/drawing/2014/main" id="{687DC651-E420-15E6-9894-FB3D479BAD03}"/>
-              </a:ext>
-            </a:extLst>
-          </p:cNvPr>
-          <p:cNvSpPr/>
+      <p:pic>
+        <p:nvPicPr>
+          <p:cNvPr id="11" name="図 10">
+            <a:extLst>
+              <a:ext uri="{FF2B5EF4-FFF2-40B4-BE49-F238E27FC236}">
+                <a16:creationId xmlns:a16="http://schemas.microsoft.com/office/drawing/2014/main" id="{1D23CDDB-DE04-FC08-3F4E-EE5DBFD0A579}"/>
+              </a:ext>
+            </a:extLst>
+          </p:cNvPr>
+          <p:cNvPicPr>
+            <a:picLocks noChangeAspect="1"/>
+          </p:cNvPicPr>
           <p:nvPr/>
-        </p:nvSpPr>
+        </p:nvPicPr>
+        <p:blipFill>
+          <a:blip r:embed="rId2"/>
+          <a:stretch>
+            <a:fillRect/>
+          </a:stretch>
+        </p:blipFill>
         <p:spPr>
-          <a:xfrm rot="10800000" flipH="1" flipV="1">
-            <a:off x="8120989" y="2770597"/>
-            <a:ext cx="1673287" cy="1316806"/>
+          <a:xfrm rot="1800000">
+            <a:off x="9438553" y="1821523"/>
+            <a:ext cx="1197704" cy="1522334"/>
           </a:xfrm>
           <a:prstGeom prst="rect">
             <a:avLst/>
           </a:prstGeom>
-          <a:noFill/>
-          <a:ln>
-            <a:noFill/>
-          </a:ln>
         </p:spPr>
-        <p:style>
-          <a:lnRef idx="2">
-            <a:schemeClr val="accent1">
-              <a:shade val="50000"/>
-            </a:schemeClr>
-          </a:lnRef>
-          <a:fillRef idx="1">
-            <a:schemeClr val="accent1"/>
-          </a:fillRef>
-          <a:effectRef idx="0">
-            <a:schemeClr val="accent1"/>
-          </a:effectRef>
-          <a:fontRef idx="minor">
-            <a:schemeClr val="lt1"/>
-          </a:fontRef>
-        </p:style>
-        <p:txBody>
-          <a:bodyPr rtlCol="0" anchor="ctr"/>
-          <a:lstStyle/>
-          <a:p>
-            <a:pPr algn="ctr"/>
-            <a:r>
-              <a:rPr lang="ja-JP" altLang="en-US" sz="16600" b="1" dirty="0">
-                <a:solidFill>
-                  <a:schemeClr val="bg1"/>
-                </a:solidFill>
-              </a:rPr>
-              <a:t>ド</a:t>
-            </a:r>
-            <a:endParaRPr kumimoji="1" lang="ja-JP" altLang="en-US" sz="16600" b="1" dirty="0">
-              <a:solidFill>
-                <a:schemeClr val="bg1"/>
-              </a:solidFill>
-            </a:endParaRPr>
-          </a:p>
-        </p:txBody>
-      </p:sp>
+      </p:pic>
     </p:spTree>
     <p:extLst>
       <p:ext uri="{BB962C8B-B14F-4D97-AF65-F5344CB8AC3E}">
